--- a/docs/ppts/batch20 1st review.pptx
+++ b/docs/ppts/batch20 1st review.pptx
@@ -5,24 +5,25 @@
     <p:sldMasterId id="2147483648" r:id="rId4"/>
   </p:sldMasterIdLst>
   <p:notesMasterIdLst>
-    <p:notesMasterId r:id="rId20"/>
+    <p:notesMasterId r:id="rId21"/>
   </p:notesMasterIdLst>
   <p:sldIdLst>
     <p:sldId id="257" r:id="rId5"/>
     <p:sldId id="380" r:id="rId6"/>
-    <p:sldId id="392" r:id="rId7"/>
-    <p:sldId id="401" r:id="rId8"/>
-    <p:sldId id="403" r:id="rId9"/>
-    <p:sldId id="412" r:id="rId10"/>
-    <p:sldId id="413" r:id="rId11"/>
-    <p:sldId id="405" r:id="rId12"/>
-    <p:sldId id="414" r:id="rId13"/>
-    <p:sldId id="406" r:id="rId14"/>
-    <p:sldId id="408" r:id="rId15"/>
-    <p:sldId id="409" r:id="rId16"/>
-    <p:sldId id="410" r:id="rId17"/>
-    <p:sldId id="411" r:id="rId18"/>
-    <p:sldId id="262" r:id="rId19"/>
+    <p:sldId id="403" r:id="rId7"/>
+    <p:sldId id="421" r:id="rId8"/>
+    <p:sldId id="401" r:id="rId9"/>
+    <p:sldId id="419" r:id="rId10"/>
+    <p:sldId id="418" r:id="rId11"/>
+    <p:sldId id="416" r:id="rId12"/>
+    <p:sldId id="420" r:id="rId13"/>
+    <p:sldId id="392" r:id="rId14"/>
+    <p:sldId id="405" r:id="rId15"/>
+    <p:sldId id="408" r:id="rId16"/>
+    <p:sldId id="415" r:id="rId17"/>
+    <p:sldId id="410" r:id="rId18"/>
+    <p:sldId id="411" r:id="rId19"/>
+    <p:sldId id="262" r:id="rId20"/>
   </p:sldIdLst>
   <p:sldSz cx="12192000" cy="6858000"/>
   <p:notesSz cx="6858000" cy="9144000"/>
@@ -282,7 +283,7 @@
               <a:pPr>
                 <a:defRPr/>
               </a:pPr>
-              <a:t>1/30/2026</a:t>
+              <a:t>2/12/2026</a:t>
             </a:fld>
             <a:endParaRPr lang="en-IN"/>
           </a:p>
@@ -4097,7 +4098,7 @@
                 <a:latin typeface="Helvetica" panose="020B0604020202020204" pitchFamily="34" charset="0"/>
                 <a:cs typeface="Helvetica" panose="020B0604020202020204" pitchFamily="34" charset="0"/>
               </a:rPr>
-              <a:t>First </a:t>
+              <a:t>Second </a:t>
             </a:r>
             <a:r>
               <a:rPr lang="en-IN" sz="2000" b="1" dirty="0">
@@ -4181,8 +4182,8 @@
         </p:nvSpPr>
         <p:spPr>
           <a:xfrm>
-            <a:off x="1532313" y="1534999"/>
-            <a:ext cx="8907087" cy="4663601"/>
+            <a:off x="1343472" y="1465263"/>
+            <a:ext cx="9505055" cy="4733338"/>
           </a:xfrm>
           <a:prstGeom prst="rect">
             <a:avLst/>
@@ -4271,7 +4272,7 @@
                 <a:cs typeface="Times New Roman"/>
                 <a:sym typeface="Times New Roman"/>
               </a:rPr>
-              <a:t>Domain                  : </a:t>
+              <a:t>Domain                   : </a:t>
             </a:r>
             <a:r>
               <a:rPr lang="en-US" sz="2000" b="1" dirty="0">
@@ -4316,7 +4317,7 @@
                 <a:cs typeface="Times New Roman"/>
                 <a:sym typeface="Times New Roman"/>
               </a:rPr>
-              <a:t>Title                        : </a:t>
+              <a:t>Title                         : </a:t>
             </a:r>
             <a:r>
               <a:rPr lang="en-US" sz="2000" b="1" dirty="0">
@@ -4325,7 +4326,7 @@
                 <a:cs typeface="Times New Roman"/>
                 <a:sym typeface="Times New Roman"/>
               </a:rPr>
-              <a:t>AI based Coding Support System for Differently Abled users</a:t>
+              <a:t>AI based Coding Support System for Differently Abled People</a:t>
             </a:r>
           </a:p>
           <a:p>
@@ -4357,7 +4358,7 @@
                 <a:cs typeface="Times New Roman"/>
                 <a:sym typeface="Times New Roman"/>
               </a:rPr>
-              <a:t>Faculty Supervisor : </a:t>
+              <a:t>Faculty Supervisor: </a:t>
             </a:r>
             <a:r>
               <a:rPr lang="en-US" sz="2000" b="1" dirty="0">
@@ -4366,25 +4367,7 @@
                 <a:cs typeface="Times New Roman"/>
                 <a:sym typeface="Times New Roman"/>
               </a:rPr>
-              <a:t>Ms. </a:t>
-            </a:r>
-            <a:r>
-              <a:rPr lang="en-US" sz="2000" b="1" dirty="0" err="1">
-                <a:latin typeface="Times New Roman"/>
-                <a:ea typeface="Times New Roman"/>
-                <a:cs typeface="Times New Roman"/>
-                <a:sym typeface="Times New Roman"/>
-              </a:rPr>
-              <a:t>M.Rajalakshmi</a:t>
-            </a:r>
-            <a:r>
-              <a:rPr lang="en-US" sz="2000" b="1" dirty="0">
-                <a:latin typeface="Times New Roman"/>
-                <a:ea typeface="Times New Roman"/>
-                <a:cs typeface="Times New Roman"/>
-                <a:sym typeface="Times New Roman"/>
-              </a:rPr>
-              <a:t> AP/AI &amp; DS</a:t>
+              <a:t>Ms. M. Rajalakshmi AP/AI &amp; DS</a:t>
             </a:r>
           </a:p>
           <a:p>
@@ -4507,7 +4490,7 @@
                 <a:cs typeface="Times New Roman"/>
                 <a:sym typeface="Times New Roman"/>
               </a:rPr>
-              <a:t>Track 				: </a:t>
+              <a:t>Track 			    : </a:t>
             </a:r>
             <a:r>
               <a:rPr lang="en-US" sz="2000" b="1" dirty="0">
@@ -4516,31 +4499,8 @@
                 <a:cs typeface="Times New Roman"/>
                 <a:sym typeface="Times New Roman"/>
               </a:rPr>
-              <a:t>Patent </a:t>
-            </a:r>
-            <a:endParaRPr sz="2000" b="1" dirty="0">
-              <a:latin typeface="Times New Roman"/>
-              <a:ea typeface="Times New Roman"/>
-              <a:cs typeface="Times New Roman"/>
-              <a:sym typeface="Times New Roman"/>
-            </a:endParaRPr>
-          </a:p>
-          <a:p>
-            <a:pPr marL="2468880" lvl="8" indent="-228600" defTabSz="457200">
-              <a:lnSpc>
-                <a:spcPct val="150000"/>
-              </a:lnSpc>
-              <a:spcBef>
-                <a:spcPts val="500"/>
-              </a:spcBef>
-              <a:buClr>
-                <a:schemeClr val="dk1"/>
-              </a:buClr>
-              <a:buSzPts val="1665"/>
-              <a:buFont typeface="Arial"/>
-              <a:buNone/>
-              <a:defRPr/>
-            </a:pPr>
+              <a:t>Patent</a:t>
+            </a:r>
             <a:endParaRPr sz="2000" b="1" dirty="0">
               <a:solidFill>
                 <a:srgbClr val="0C0C0C"/>
@@ -4673,7 +4633,7 @@
       </p:grpSpPr>
       <p:sp>
         <p:nvSpPr>
-          <p:cNvPr id="9218" name="Title 1"/>
+          <p:cNvPr id="4098" name="Title 1"/>
           <p:cNvSpPr>
             <a:spLocks noGrp="1"/>
           </p:cNvSpPr>
@@ -4683,8 +4643,8 @@
         </p:nvSpPr>
         <p:spPr>
           <a:xfrm>
-            <a:off x="609600" y="381000"/>
-            <a:ext cx="10515600" cy="760413"/>
+            <a:off x="695400" y="260648"/>
+            <a:ext cx="10515600" cy="1325563"/>
           </a:xfrm>
         </p:spPr>
         <p:txBody>
@@ -4693,121 +4653,179 @@
           <a:p>
             <a:pPr eaLnBrk="1" hangingPunct="1"/>
             <a:r>
-              <a:rPr lang="en-US" altLang="en-US" sz="4000" b="1" dirty="0">
+              <a:rPr lang="en-IN" altLang="en-US" sz="4000" b="1" dirty="0">
                 <a:solidFill>
                   <a:srgbClr val="FF0000"/>
                 </a:solidFill>
                 <a:latin typeface="Times New Roman" panose="02020603050405020304" pitchFamily="18" charset="0"/>
                 <a:cs typeface="Times New Roman" panose="02020603050405020304" pitchFamily="18" charset="0"/>
               </a:rPr>
-              <a:t>Detailed description of the invention</a:t>
-            </a:r>
-            <a:endParaRPr lang="en-IN" altLang="en-US" sz="4000" b="1" dirty="0">
-              <a:solidFill>
-                <a:srgbClr val="FF0000"/>
-              </a:solidFill>
-              <a:latin typeface="Times New Roman" panose="02020603050405020304" pitchFamily="18" charset="0"/>
-              <a:cs typeface="Times New Roman" panose="02020603050405020304" pitchFamily="18" charset="0"/>
-            </a:endParaRPr>
+              <a:t>Abstract</a:t>
+            </a:r>
           </a:p>
         </p:txBody>
       </p:sp>
       <p:sp>
         <p:nvSpPr>
-          <p:cNvPr id="3" name="TextBox 2">
-            <a:extLst>
-              <a:ext uri="{FF2B5EF4-FFF2-40B4-BE49-F238E27FC236}">
-                <a16:creationId xmlns:a16="http://schemas.microsoft.com/office/drawing/2014/main" id="{03D04B25-A9CD-3F9C-CC78-7B75675962DF}"/>
-              </a:ext>
-            </a:extLst>
-          </p:cNvPr>
-          <p:cNvSpPr txBox="1"/>
+          <p:cNvPr id="4100" name="Google Shape;110;p16"/>
+          <p:cNvSpPr txBox="1">
+            <a:spLocks/>
+          </p:cNvSpPr>
           <p:nvPr/>
         </p:nvSpPr>
-        <p:spPr>
+        <p:spPr bwMode="auto">
           <a:xfrm>
-            <a:off x="544488" y="1165226"/>
-            <a:ext cx="11103024" cy="5114542"/>
+            <a:off x="623392" y="1340768"/>
+            <a:ext cx="10515600" cy="4100512"/>
           </a:xfrm>
           <a:prstGeom prst="rect">
             <a:avLst/>
           </a:prstGeom>
           <a:noFill/>
+          <a:ln>
+            <a:noFill/>
+          </a:ln>
+          <a:extLst>
+            <a:ext uri="{909E8E84-426E-40DD-AFC4-6F175D3DCCD1}">
+              <a14:hiddenFill xmlns:a14="http://schemas.microsoft.com/office/drawing/2010/main">
+                <a:solidFill>
+                  <a:srgbClr val="FFFFFF"/>
+                </a:solidFill>
+              </a14:hiddenFill>
+            </a:ext>
+            <a:ext uri="{91240B29-F687-4F45-9708-019B960494DF}">
+              <a14:hiddenLine xmlns:a14="http://schemas.microsoft.com/office/drawing/2010/main" w="9525">
+                <a:solidFill>
+                  <a:srgbClr val="000000"/>
+                </a:solidFill>
+                <a:miter lim="800000"/>
+                <a:headEnd/>
+                <a:tailEnd/>
+              </a14:hiddenLine>
+            </a:ext>
+          </a:extLst>
         </p:spPr>
         <p:txBody>
-          <a:bodyPr wrap="square">
-            <a:spAutoFit/>
-          </a:bodyPr>
-          <a:lstStyle/>
-          <a:p>
-            <a:pPr marL="285750" indent="-285750" algn="just">
+          <a:bodyPr lIns="91425" tIns="45700" rIns="91425" bIns="45700"/>
+          <a:lstStyle>
+            <a:lvl1pPr marL="228600" indent="-228600" eaLnBrk="0" hangingPunct="0">
+              <a:defRPr>
+                <a:solidFill>
+                  <a:schemeClr val="tx1"/>
+                </a:solidFill>
+                <a:latin typeface="Arial" panose="020B0604020202020204" pitchFamily="34" charset="0"/>
+                <a:cs typeface="Arial" panose="020B0604020202020204" pitchFamily="34" charset="0"/>
+              </a:defRPr>
+            </a:lvl1pPr>
+            <a:lvl2pPr marL="742950" indent="-285750" eaLnBrk="0" hangingPunct="0">
+              <a:defRPr>
+                <a:solidFill>
+                  <a:schemeClr val="tx1"/>
+                </a:solidFill>
+                <a:latin typeface="Arial" panose="020B0604020202020204" pitchFamily="34" charset="0"/>
+                <a:cs typeface="Arial" panose="020B0604020202020204" pitchFamily="34" charset="0"/>
+              </a:defRPr>
+            </a:lvl2pPr>
+            <a:lvl3pPr marL="1143000" indent="-228600" eaLnBrk="0" hangingPunct="0">
+              <a:defRPr>
+                <a:solidFill>
+                  <a:schemeClr val="tx1"/>
+                </a:solidFill>
+                <a:latin typeface="Arial" panose="020B0604020202020204" pitchFamily="34" charset="0"/>
+                <a:cs typeface="Arial" panose="020B0604020202020204" pitchFamily="34" charset="0"/>
+              </a:defRPr>
+            </a:lvl3pPr>
+            <a:lvl4pPr marL="1600200" indent="-228600" eaLnBrk="0" hangingPunct="0">
+              <a:defRPr>
+                <a:solidFill>
+                  <a:schemeClr val="tx1"/>
+                </a:solidFill>
+                <a:latin typeface="Arial" panose="020B0604020202020204" pitchFamily="34" charset="0"/>
+                <a:cs typeface="Arial" panose="020B0604020202020204" pitchFamily="34" charset="0"/>
+              </a:defRPr>
+            </a:lvl4pPr>
+            <a:lvl5pPr marL="2057400" indent="-228600" eaLnBrk="0" hangingPunct="0">
+              <a:defRPr>
+                <a:solidFill>
+                  <a:schemeClr val="tx1"/>
+                </a:solidFill>
+                <a:latin typeface="Arial" panose="020B0604020202020204" pitchFamily="34" charset="0"/>
+                <a:cs typeface="Arial" panose="020B0604020202020204" pitchFamily="34" charset="0"/>
+              </a:defRPr>
+            </a:lvl5pPr>
+            <a:lvl6pPr marL="2514600" indent="-228600" eaLnBrk="0" fontAlgn="base" hangingPunct="0">
+              <a:spcBef>
+                <a:spcPct val="0"/>
+              </a:spcBef>
+              <a:spcAft>
+                <a:spcPct val="0"/>
+              </a:spcAft>
+              <a:defRPr>
+                <a:solidFill>
+                  <a:schemeClr val="tx1"/>
+                </a:solidFill>
+                <a:latin typeface="Arial" panose="020B0604020202020204" pitchFamily="34" charset="0"/>
+                <a:cs typeface="Arial" panose="020B0604020202020204" pitchFamily="34" charset="0"/>
+              </a:defRPr>
+            </a:lvl6pPr>
+            <a:lvl7pPr marL="2971800" indent="-228600" eaLnBrk="0" fontAlgn="base" hangingPunct="0">
+              <a:spcBef>
+                <a:spcPct val="0"/>
+              </a:spcBef>
+              <a:spcAft>
+                <a:spcPct val="0"/>
+              </a:spcAft>
+              <a:defRPr>
+                <a:solidFill>
+                  <a:schemeClr val="tx1"/>
+                </a:solidFill>
+                <a:latin typeface="Arial" panose="020B0604020202020204" pitchFamily="34" charset="0"/>
+                <a:cs typeface="Arial" panose="020B0604020202020204" pitchFamily="34" charset="0"/>
+              </a:defRPr>
+            </a:lvl7pPr>
+            <a:lvl8pPr marL="3429000" indent="-228600" eaLnBrk="0" fontAlgn="base" hangingPunct="0">
+              <a:spcBef>
+                <a:spcPct val="0"/>
+              </a:spcBef>
+              <a:spcAft>
+                <a:spcPct val="0"/>
+              </a:spcAft>
+              <a:defRPr>
+                <a:solidFill>
+                  <a:schemeClr val="tx1"/>
+                </a:solidFill>
+                <a:latin typeface="Arial" panose="020B0604020202020204" pitchFamily="34" charset="0"/>
+                <a:cs typeface="Arial" panose="020B0604020202020204" pitchFamily="34" charset="0"/>
+              </a:defRPr>
+            </a:lvl8pPr>
+            <a:lvl9pPr marL="3886200" indent="-228600" eaLnBrk="0" fontAlgn="base" hangingPunct="0">
+              <a:spcBef>
+                <a:spcPct val="0"/>
+              </a:spcBef>
+              <a:spcAft>
+                <a:spcPct val="0"/>
+              </a:spcAft>
+              <a:defRPr>
+                <a:solidFill>
+                  <a:schemeClr val="tx1"/>
+                </a:solidFill>
+                <a:latin typeface="Arial" panose="020B0604020202020204" pitchFamily="34" charset="0"/>
+                <a:cs typeface="Arial" panose="020B0604020202020204" pitchFamily="34" charset="0"/>
+              </a:defRPr>
+            </a:lvl9pPr>
+          </a:lstStyle>
+          <a:p>
+            <a:pPr algn="just">
               <a:lnSpc>
                 <a:spcPct val="150000"/>
               </a:lnSpc>
-              <a:spcBef>
-                <a:spcPts val="400"/>
-              </a:spcBef>
-              <a:buFont typeface="Arial" panose="020B0604020202020204" pitchFamily="34" charset="0"/>
-              <a:buChar char="•"/>
-            </a:pPr>
-            <a:r>
-              <a:rPr lang="en-US" sz="2400" dirty="0">
-                <a:latin typeface="Times New Roman" panose="02020603050405020304" pitchFamily="18" charset="0"/>
-                <a:cs typeface="Times New Roman" panose="02020603050405020304" pitchFamily="18" charset="0"/>
-              </a:rPr>
-              <a:t>The present invention relates to an </a:t>
-            </a:r>
-            <a:r>
-              <a:rPr lang="en-US" sz="2400" b="1" dirty="0">
-                <a:latin typeface="Times New Roman" panose="02020603050405020304" pitchFamily="18" charset="0"/>
-                <a:cs typeface="Times New Roman" panose="02020603050405020304" pitchFamily="18" charset="0"/>
-              </a:rPr>
-              <a:t>artificial intelligence–assisted, voice-driven programming system</a:t>
-            </a:r>
-            <a:r>
-              <a:rPr lang="en-US" sz="2400" dirty="0">
-                <a:latin typeface="Times New Roman" panose="02020603050405020304" pitchFamily="18" charset="0"/>
-                <a:cs typeface="Times New Roman" panose="02020603050405020304" pitchFamily="18" charset="0"/>
-              </a:rPr>
-              <a:t> designed to enable hands-free interaction with an Integrated Development Environment (IDE). </a:t>
-            </a:r>
-          </a:p>
-          <a:p>
-            <a:pPr marL="285750" indent="-285750" algn="just">
-              <a:lnSpc>
-                <a:spcPct val="150000"/>
-              </a:lnSpc>
-              <a:spcBef>
-                <a:spcPts val="400"/>
-              </a:spcBef>
-              <a:buFont typeface="Arial" panose="020B0604020202020204" pitchFamily="34" charset="0"/>
-              <a:buChar char="•"/>
-            </a:pPr>
-            <a:r>
-              <a:rPr lang="en-US" sz="2400" dirty="0">
-                <a:latin typeface="Times New Roman" panose="02020603050405020304" pitchFamily="18" charset="0"/>
-                <a:cs typeface="Times New Roman" panose="02020603050405020304" pitchFamily="18" charset="0"/>
-              </a:rPr>
-              <a:t>More specifically, the invention provides a method and system for interpreting spoken commands, understanding user intent, and performing controlled, context-aware programming actions within a source code editor.</a:t>
-            </a:r>
-          </a:p>
-          <a:p>
-            <a:pPr marL="285750" indent="-285750" algn="just">
-              <a:lnSpc>
-                <a:spcPct val="150000"/>
-              </a:lnSpc>
-              <a:spcBef>
-                <a:spcPts val="400"/>
-              </a:spcBef>
-              <a:buFont typeface="Arial" panose="020B0604020202020204" pitchFamily="34" charset="0"/>
-              <a:buChar char="•"/>
-            </a:pPr>
-            <a:r>
-              <a:rPr lang="en-US" sz="2400" dirty="0">
-                <a:latin typeface="Times New Roman" panose="02020603050405020304" pitchFamily="18" charset="0"/>
-                <a:cs typeface="Times New Roman" panose="02020603050405020304" pitchFamily="18" charset="0"/>
-              </a:rPr>
-              <a:t>The invention addresses accessibility challenges faced by developers with physical or motor impairments, by reducing dependency on traditional input devices such as keyboards and mice while maintaining accuracy, safety, and developer control.</a:t>
+            </a:pPr>
+            <a:r>
+              <a:rPr lang="en-GB" sz="2000" dirty="0">
+                <a:latin typeface="Times New Roman" panose="02020603050405020304" pitchFamily="18" charset="0"/>
+                <a:cs typeface="Times New Roman" panose="02020603050405020304" pitchFamily="18" charset="0"/>
+              </a:rPr>
+              <a:t>    				Modern programming environments are largely optimized for keyboard and mouse interaction, which creates accessibility challenges for developers with physical or motor disabilities. Although speech recognition and artificial intelligence have advanced significantly, their effective use in context-aware programming remains limited. This paper presents a voice-enabled, AI-based coding assistant that enables hands-free interaction within an integrated development environment. The system captures spoken commands, converts them into text using speech-to-text techniques, and interprets user intent using natural language processing. Based on the identified intent, programming actions such as code generation and modification are performed. Implemented as an extension for Visual Studio Code, the proposed solution enhances accessibility and supports inclusive software development practices.</a:t>
             </a:r>
           </a:p>
         </p:txBody>
@@ -4821,6 +4839,102 @@
 </file>
 
 <file path=ppt/slides/slide11.xml><?xml version="1.0" encoding="utf-8"?>
+<p:sld xmlns:a="http://schemas.openxmlformats.org/drawingml/2006/main" xmlns:r="http://schemas.openxmlformats.org/officeDocument/2006/relationships" xmlns:p="http://schemas.openxmlformats.org/presentationml/2006/main">
+  <p:cSld>
+    <p:spTree>
+      <p:nvGrpSpPr>
+        <p:cNvPr id="1" name=""/>
+        <p:cNvGrpSpPr/>
+        <p:nvPr/>
+      </p:nvGrpSpPr>
+      <p:grpSpPr>
+        <a:xfrm>
+          <a:off x="0" y="0"/>
+          <a:ext cx="0" cy="0"/>
+          <a:chOff x="0" y="0"/>
+          <a:chExt cx="0" cy="0"/>
+        </a:xfrm>
+      </p:grpSpPr>
+      <p:sp>
+        <p:nvSpPr>
+          <p:cNvPr id="8194" name="Title 1"/>
+          <p:cNvSpPr>
+            <a:spLocks noGrp="1"/>
+          </p:cNvSpPr>
+          <p:nvPr>
+            <p:ph type="title"/>
+          </p:nvPr>
+        </p:nvSpPr>
+        <p:spPr>
+          <a:xfrm>
+            <a:off x="609599" y="548680"/>
+            <a:ext cx="10515600" cy="760413"/>
+          </a:xfrm>
+        </p:spPr>
+        <p:txBody>
+          <a:bodyPr/>
+          <a:lstStyle/>
+          <a:p>
+            <a:pPr eaLnBrk="1" hangingPunct="1"/>
+            <a:r>
+              <a:rPr lang="en-US" altLang="en-US" sz="4000" b="1" dirty="0">
+                <a:solidFill>
+                  <a:srgbClr val="FF0000"/>
+                </a:solidFill>
+                <a:latin typeface="Times New Roman" panose="02020603050405020304" pitchFamily="18" charset="0"/>
+                <a:cs typeface="Times New Roman" panose="02020603050405020304" pitchFamily="18" charset="0"/>
+              </a:rPr>
+              <a:t>Diagram</a:t>
+            </a:r>
+            <a:endParaRPr lang="en-IN" altLang="en-US" sz="4000" b="1" dirty="0">
+              <a:solidFill>
+                <a:srgbClr val="FF0000"/>
+              </a:solidFill>
+              <a:latin typeface="Times New Roman" panose="02020603050405020304" pitchFamily="18" charset="0"/>
+              <a:cs typeface="Times New Roman" panose="02020603050405020304" pitchFamily="18" charset="0"/>
+            </a:endParaRPr>
+          </a:p>
+        </p:txBody>
+      </p:sp>
+      <p:pic>
+        <p:nvPicPr>
+          <p:cNvPr id="5" name="Picture 4">
+            <a:extLst>
+              <a:ext uri="{FF2B5EF4-FFF2-40B4-BE49-F238E27FC236}">
+                <a16:creationId xmlns:a16="http://schemas.microsoft.com/office/drawing/2014/main" id="{A51D48DA-22A6-832B-B7BD-71015901F7F7}"/>
+              </a:ext>
+            </a:extLst>
+          </p:cNvPr>
+          <p:cNvPicPr>
+            <a:picLocks noChangeAspect="1"/>
+          </p:cNvPicPr>
+          <p:nvPr/>
+        </p:nvPicPr>
+        <p:blipFill>
+          <a:blip r:embed="rId2"/>
+          <a:stretch>
+            <a:fillRect/>
+          </a:stretch>
+        </p:blipFill>
+        <p:spPr>
+          <a:xfrm>
+            <a:off x="2246410" y="1141413"/>
+            <a:ext cx="7241979" cy="4933324"/>
+          </a:xfrm>
+          <a:prstGeom prst="rect">
+            <a:avLst/>
+          </a:prstGeom>
+        </p:spPr>
+      </p:pic>
+    </p:spTree>
+  </p:cSld>
+  <p:clrMapOvr>
+    <a:masterClrMapping/>
+  </p:clrMapOvr>
+</p:sld>
+</file>
+
+<file path=ppt/slides/slide12.xml><?xml version="1.0" encoding="utf-8"?>
 <p:sld xmlns:a="http://schemas.openxmlformats.org/drawingml/2006/main" xmlns:r="http://schemas.openxmlformats.org/officeDocument/2006/relationships" xmlns:p="http://schemas.openxmlformats.org/presentationml/2006/main">
   <p:cSld>
     <p:spTree>
@@ -4866,15 +4980,8 @@
                 <a:latin typeface="Times New Roman" panose="02020603050405020304" pitchFamily="18" charset="0"/>
                 <a:cs typeface="Times New Roman" panose="02020603050405020304" pitchFamily="18" charset="0"/>
               </a:rPr>
-              <a:t>Methodology</a:t>
-            </a:r>
-            <a:endParaRPr lang="en-IN" altLang="en-US" sz="4000" b="1" dirty="0">
-              <a:solidFill>
-                <a:srgbClr val="FF0000"/>
-              </a:solidFill>
-              <a:latin typeface="Times New Roman" panose="02020603050405020304" pitchFamily="18" charset="0"/>
-              <a:cs typeface="Times New Roman" panose="02020603050405020304" pitchFamily="18" charset="0"/>
-            </a:endParaRPr>
+              <a:t>Algorithms &amp; Technologies Used</a:t>
+            </a:r>
           </a:p>
         </p:txBody>
       </p:sp>
@@ -4888,8 +4995,8 @@
         </p:nvSpPr>
         <p:spPr bwMode="auto">
           <a:xfrm>
-            <a:off x="609600" y="1516798"/>
-            <a:ext cx="10972800" cy="4419600"/>
+            <a:off x="436630" y="1309093"/>
+            <a:ext cx="11748805" cy="5167907"/>
           </a:xfrm>
           <a:prstGeom prst="rect">
             <a:avLst/>
@@ -5028,141 +5135,338 @@
             </a:lvl9pPr>
           </a:lstStyle>
           <a:p>
-            <a:pPr marL="288000" algn="just" defTabSz="914400" eaLnBrk="1" hangingPunct="1">
-              <a:lnSpc>
-                <a:spcPct val="90000"/>
-              </a:lnSpc>
+            <a:pPr marL="457200" indent="-457200">
               <a:spcBef>
-                <a:spcPts val="1200"/>
+                <a:spcPts val="600"/>
               </a:spcBef>
-              <a:buClr>
-                <a:srgbClr val="000000"/>
-              </a:buClr>
-              <a:buSzPts val="2400"/>
+              <a:buFont typeface="+mj-lt"/>
+              <a:buAutoNum type="arabicPeriod"/>
+            </a:pPr>
+            <a:r>
+              <a:rPr lang="en-IN" sz="2200" b="1" dirty="0">
+                <a:latin typeface="Times New Roman" panose="02020603050405020304" pitchFamily="18" charset="0"/>
+                <a:cs typeface="Times New Roman" panose="02020603050405020304" pitchFamily="18" charset="0"/>
+              </a:rPr>
+              <a:t>Core Architecture: Decoupled Client-Server Model</a:t>
+            </a:r>
+            <a:endParaRPr lang="en-IN" sz="2200" dirty="0">
+              <a:latin typeface="Times New Roman" panose="02020603050405020304" pitchFamily="18" charset="0"/>
+              <a:cs typeface="Times New Roman" panose="02020603050405020304" pitchFamily="18" charset="0"/>
+            </a:endParaRPr>
+          </a:p>
+          <a:p>
+            <a:pPr marL="457200" indent="-457200">
+              <a:spcBef>
+                <a:spcPts val="600"/>
+              </a:spcBef>
+              <a:buFont typeface="+mj-lt"/>
+              <a:buAutoNum type="arabicPeriod"/>
+            </a:pPr>
+            <a:r>
+              <a:rPr lang="en-IN" sz="2200" b="1" dirty="0">
+                <a:latin typeface="Times New Roman" panose="02020603050405020304" pitchFamily="18" charset="0"/>
+                <a:cs typeface="Times New Roman" panose="02020603050405020304" pitchFamily="18" charset="0"/>
+              </a:rPr>
+              <a:t>Speech Recognition (Offline)</a:t>
+            </a:r>
+            <a:r>
+              <a:rPr lang="en-IN" sz="2200" dirty="0">
+                <a:latin typeface="Times New Roman" panose="02020603050405020304" pitchFamily="18" charset="0"/>
+                <a:cs typeface="Times New Roman" panose="02020603050405020304" pitchFamily="18" charset="0"/>
+              </a:rPr>
+              <a:t>:</a:t>
+            </a:r>
+          </a:p>
+          <a:p>
+            <a:pPr marL="914400" lvl="1" indent="-457200">
+              <a:spcBef>
+                <a:spcPts val="600"/>
+              </a:spcBef>
               <a:buFont typeface="Arial" panose="020B0604020202020204" pitchFamily="34" charset="0"/>
               <a:buChar char="•"/>
             </a:pPr>
             <a:r>
-              <a:rPr lang="en-US" altLang="en-US" sz="2400" dirty="0">
-                <a:latin typeface="Times New Roman" panose="02020603050405020304" pitchFamily="18" charset="0"/>
-                <a:cs typeface="Times New Roman" panose="02020603050405020304" pitchFamily="18" charset="0"/>
-                <a:sym typeface="Times New Roman" panose="02020603050405020304" pitchFamily="18" charset="0"/>
-              </a:rPr>
-              <a:t>The system follows a layered, intent-driven approach for voice-based programming assistance.</a:t>
-            </a:r>
-          </a:p>
-          <a:p>
-            <a:pPr marL="288000" algn="just" defTabSz="914400" eaLnBrk="1" hangingPunct="1">
-              <a:lnSpc>
-                <a:spcPct val="90000"/>
-              </a:lnSpc>
+              <a:rPr lang="en-IN" sz="2200" b="1" dirty="0">
+                <a:latin typeface="Times New Roman" panose="02020603050405020304" pitchFamily="18" charset="0"/>
+                <a:cs typeface="Times New Roman" panose="02020603050405020304" pitchFamily="18" charset="0"/>
+              </a:rPr>
+              <a:t>Engine</a:t>
+            </a:r>
+            <a:r>
+              <a:rPr lang="en-IN" sz="2200" dirty="0">
+                <a:latin typeface="Times New Roman" panose="02020603050405020304" pitchFamily="18" charset="0"/>
+                <a:cs typeface="Times New Roman" panose="02020603050405020304" pitchFamily="18" charset="0"/>
+              </a:rPr>
+              <a:t>: </a:t>
+            </a:r>
+            <a:r>
+              <a:rPr lang="en-IN" sz="2200" b="1" dirty="0">
+                <a:latin typeface="Times New Roman" panose="02020603050405020304" pitchFamily="18" charset="0"/>
+                <a:cs typeface="Times New Roman" panose="02020603050405020304" pitchFamily="18" charset="0"/>
+              </a:rPr>
+              <a:t>VOSK</a:t>
+            </a:r>
+            <a:r>
+              <a:rPr lang="en-IN" sz="2200" dirty="0">
+                <a:latin typeface="Times New Roman" panose="02020603050405020304" pitchFamily="18" charset="0"/>
+                <a:cs typeface="Times New Roman" panose="02020603050405020304" pitchFamily="18" charset="0"/>
+              </a:rPr>
+              <a:t> (Kaldi-based)</a:t>
+            </a:r>
+          </a:p>
+          <a:p>
+            <a:pPr marL="914400" lvl="1" indent="-457200">
               <a:spcBef>
-                <a:spcPts val="1200"/>
+                <a:spcPts val="600"/>
               </a:spcBef>
-              <a:buClr>
-                <a:srgbClr val="000000"/>
-              </a:buClr>
-              <a:buSzPts val="2400"/>
               <a:buFont typeface="Arial" panose="020B0604020202020204" pitchFamily="34" charset="0"/>
               <a:buChar char="•"/>
             </a:pPr>
             <a:r>
-              <a:rPr lang="en-US" altLang="en-US" sz="2400" dirty="0">
-                <a:latin typeface="Times New Roman" panose="02020603050405020304" pitchFamily="18" charset="0"/>
-                <a:cs typeface="Times New Roman" panose="02020603050405020304" pitchFamily="18" charset="0"/>
-                <a:sym typeface="Times New Roman" panose="02020603050405020304" pitchFamily="18" charset="0"/>
-              </a:rPr>
-              <a:t>Spoken commands are captured and converted into structured text using speech-to-text processing.</a:t>
-            </a:r>
-          </a:p>
-          <a:p>
-            <a:pPr marL="288000" algn="just" defTabSz="914400" eaLnBrk="1" hangingPunct="1">
-              <a:lnSpc>
-                <a:spcPct val="90000"/>
-              </a:lnSpc>
+              <a:rPr lang="en-IN" sz="2200" b="1" dirty="0">
+                <a:latin typeface="Times New Roman" panose="02020603050405020304" pitchFamily="18" charset="0"/>
+                <a:cs typeface="Times New Roman" panose="02020603050405020304" pitchFamily="18" charset="0"/>
+              </a:rPr>
+              <a:t>Why</a:t>
+            </a:r>
+            <a:r>
+              <a:rPr lang="en-IN" sz="2200" dirty="0">
+                <a:latin typeface="Times New Roman" panose="02020603050405020304" pitchFamily="18" charset="0"/>
+                <a:cs typeface="Times New Roman" panose="02020603050405020304" pitchFamily="18" charset="0"/>
+              </a:rPr>
+              <a:t>: Lightweight, offline-capable, and preserves privacy.</a:t>
+            </a:r>
+          </a:p>
+          <a:p>
+            <a:pPr marL="457200" indent="-457200">
               <a:spcBef>
-                <a:spcPts val="1200"/>
+                <a:spcPts val="600"/>
               </a:spcBef>
-              <a:buClr>
-                <a:srgbClr val="000000"/>
-              </a:buClr>
-              <a:buSzPts val="2400"/>
+              <a:buFont typeface="+mj-lt"/>
+              <a:buAutoNum type="arabicPeriod"/>
+            </a:pPr>
+            <a:r>
+              <a:rPr lang="en-IN" sz="2200" b="1" dirty="0">
+                <a:latin typeface="Times New Roman" panose="02020603050405020304" pitchFamily="18" charset="0"/>
+                <a:cs typeface="Times New Roman" panose="02020603050405020304" pitchFamily="18" charset="0"/>
+              </a:rPr>
+              <a:t>Intent Classification (NLP)</a:t>
+            </a:r>
+            <a:r>
+              <a:rPr lang="en-IN" sz="2200" dirty="0">
+                <a:latin typeface="Times New Roman" panose="02020603050405020304" pitchFamily="18" charset="0"/>
+                <a:cs typeface="Times New Roman" panose="02020603050405020304" pitchFamily="18" charset="0"/>
+              </a:rPr>
+              <a:t>:</a:t>
+            </a:r>
+          </a:p>
+          <a:p>
+            <a:pPr marL="914400" lvl="1" indent="-457200" fontAlgn="ctr">
+              <a:spcBef>
+                <a:spcPts val="600"/>
+              </a:spcBef>
               <a:buFont typeface="Arial" panose="020B0604020202020204" pitchFamily="34" charset="0"/>
               <a:buChar char="•"/>
             </a:pPr>
             <a:r>
-              <a:rPr lang="en-US" altLang="en-US" sz="2400" dirty="0">
-                <a:latin typeface="Times New Roman" panose="02020603050405020304" pitchFamily="18" charset="0"/>
-                <a:cs typeface="Times New Roman" panose="02020603050405020304" pitchFamily="18" charset="0"/>
-                <a:sym typeface="Times New Roman" panose="02020603050405020304" pitchFamily="18" charset="0"/>
-              </a:rPr>
-              <a:t>Natural language understanding maps user input to unified, language-independent intents.</a:t>
-            </a:r>
-          </a:p>
-          <a:p>
-            <a:pPr marL="288000" algn="just" defTabSz="914400" eaLnBrk="1" hangingPunct="1">
-              <a:lnSpc>
-                <a:spcPct val="90000"/>
-              </a:lnSpc>
+              <a:rPr lang="en-IN" sz="2200" b="1" dirty="0">
+                <a:latin typeface="Times New Roman" panose="02020603050405020304" pitchFamily="18" charset="0"/>
+                <a:cs typeface="Times New Roman" panose="02020603050405020304" pitchFamily="18" charset="0"/>
+              </a:rPr>
+              <a:t>Logic</a:t>
+            </a:r>
+            <a:r>
+              <a:rPr lang="en-IN" sz="2200" dirty="0">
+                <a:latin typeface="Times New Roman" panose="02020603050405020304" pitchFamily="18" charset="0"/>
+                <a:cs typeface="Times New Roman" panose="02020603050405020304" pitchFamily="18" charset="0"/>
+              </a:rPr>
+              <a:t>: Regex-based pattern matching and keyword analysis.</a:t>
+            </a:r>
+          </a:p>
+          <a:p>
+            <a:pPr marL="914400" lvl="1" indent="-457200">
               <a:spcBef>
-                <a:spcPts val="1200"/>
+                <a:spcPts val="600"/>
               </a:spcBef>
-              <a:buClr>
-                <a:srgbClr val="000000"/>
-              </a:buClr>
-              <a:buSzPts val="2400"/>
               <a:buFont typeface="Arial" panose="020B0604020202020204" pitchFamily="34" charset="0"/>
               <a:buChar char="•"/>
             </a:pPr>
             <a:r>
-              <a:rPr lang="en-US" altLang="en-US" sz="2400" dirty="0">
-                <a:latin typeface="Times New Roman" panose="02020603050405020304" pitchFamily="18" charset="0"/>
-                <a:cs typeface="Times New Roman" panose="02020603050405020304" pitchFamily="18" charset="0"/>
-                <a:sym typeface="Times New Roman" panose="02020603050405020304" pitchFamily="18" charset="0"/>
-              </a:rPr>
-              <a:t>IDE context such as cursor position and active language guides context-aware execution.</a:t>
-            </a:r>
-          </a:p>
-          <a:p>
-            <a:pPr marL="288000" algn="just" defTabSz="914400" eaLnBrk="1" hangingPunct="1">
-              <a:lnSpc>
-                <a:spcPct val="90000"/>
-              </a:lnSpc>
+              <a:rPr lang="en-IN" sz="2200" b="1" dirty="0">
+                <a:latin typeface="Times New Roman" panose="02020603050405020304" pitchFamily="18" charset="0"/>
+                <a:cs typeface="Times New Roman" panose="02020603050405020304" pitchFamily="18" charset="0"/>
+              </a:rPr>
+              <a:t>Normalization</a:t>
+            </a:r>
+            <a:r>
+              <a:rPr lang="en-IN" sz="2200" dirty="0">
+                <a:latin typeface="Times New Roman" panose="02020603050405020304" pitchFamily="18" charset="0"/>
+                <a:cs typeface="Times New Roman" panose="02020603050405020304" pitchFamily="18" charset="0"/>
+              </a:rPr>
+              <a:t>: Text normalization to handle homophones (e.g., "nine twenty" -&gt; "line 20").</a:t>
+            </a:r>
+          </a:p>
+          <a:p>
+            <a:pPr marL="914400" lvl="1" indent="-457200">
               <a:spcBef>
-                <a:spcPts val="1200"/>
+                <a:spcPts val="600"/>
               </a:spcBef>
-              <a:buClr>
-                <a:srgbClr val="000000"/>
-              </a:buClr>
-              <a:buSzPts val="2400"/>
               <a:buFont typeface="Arial" panose="020B0604020202020204" pitchFamily="34" charset="0"/>
               <a:buChar char="•"/>
             </a:pPr>
             <a:r>
-              <a:rPr lang="en-US" altLang="en-US" sz="2400" dirty="0">
-                <a:latin typeface="Times New Roman" panose="02020603050405020304" pitchFamily="18" charset="0"/>
-                <a:cs typeface="Times New Roman" panose="02020603050405020304" pitchFamily="18" charset="0"/>
-                <a:sym typeface="Times New Roman" panose="02020603050405020304" pitchFamily="18" charset="0"/>
-              </a:rPr>
-              <a:t>Controlled code transformation ensures syntactic correctness, safety, and predictable behavior.</a:t>
-            </a:r>
-          </a:p>
-          <a:p>
-            <a:pPr marL="288000" algn="just" defTabSz="914400" eaLnBrk="1" hangingPunct="1">
-              <a:lnSpc>
-                <a:spcPct val="90000"/>
-              </a:lnSpc>
+              <a:rPr lang="en-IN" sz="2200" b="1" dirty="0">
+                <a:latin typeface="Times New Roman" panose="02020603050405020304" pitchFamily="18" charset="0"/>
+                <a:cs typeface="Times New Roman" panose="02020603050405020304" pitchFamily="18" charset="0"/>
+              </a:rPr>
+              <a:t>Keyword Extraction</a:t>
+            </a:r>
+            <a:r>
+              <a:rPr lang="en-IN" sz="2200" dirty="0">
+                <a:latin typeface="Times New Roman" panose="02020603050405020304" pitchFamily="18" charset="0"/>
+                <a:cs typeface="Times New Roman" panose="02020603050405020304" pitchFamily="18" charset="0"/>
+              </a:rPr>
+              <a:t>: Identifies triggers like create function, remove line, </a:t>
+            </a:r>
+            <a:r>
+              <a:rPr lang="en-IN" sz="2200" dirty="0" err="1">
+                <a:latin typeface="Times New Roman" panose="02020603050405020304" pitchFamily="18" charset="0"/>
+                <a:cs typeface="Times New Roman" panose="02020603050405020304" pitchFamily="18" charset="0"/>
+              </a:rPr>
+              <a:t>goto</a:t>
+            </a:r>
+            <a:r>
+              <a:rPr lang="en-IN" sz="2200" dirty="0">
+                <a:latin typeface="Times New Roman" panose="02020603050405020304" pitchFamily="18" charset="0"/>
+                <a:cs typeface="Times New Roman" panose="02020603050405020304" pitchFamily="18" charset="0"/>
+              </a:rPr>
+              <a:t>.</a:t>
+            </a:r>
+          </a:p>
+          <a:p>
+            <a:pPr marL="457200" indent="-457200">
               <a:spcBef>
-                <a:spcPts val="1200"/>
+                <a:spcPts val="600"/>
               </a:spcBef>
-              <a:buClr>
-                <a:srgbClr val="000000"/>
-              </a:buClr>
-              <a:buSzPts val="2400"/>
-              <a:buFont typeface="Arial" panose="020B0604020202020204" pitchFamily="34" charset="0"/>
-              <a:buChar char="•"/>
-            </a:pPr>
-            <a:endParaRPr lang="en-US" altLang="en-US" sz="2400" dirty="0">
+              <a:buFont typeface="+mj-lt"/>
+              <a:buAutoNum type="arabicPeriod"/>
+            </a:pPr>
+            <a:r>
+              <a:rPr lang="en-IN" sz="2200" b="1" dirty="0">
+                <a:latin typeface="Times New Roman" panose="02020603050405020304" pitchFamily="18" charset="0"/>
+                <a:cs typeface="Times New Roman" panose="02020603050405020304" pitchFamily="18" charset="0"/>
+              </a:rPr>
+              <a:t>Integration Layer</a:t>
+            </a:r>
+            <a:r>
+              <a:rPr lang="en-IN" sz="2200" dirty="0">
+                <a:latin typeface="Times New Roman" panose="02020603050405020304" pitchFamily="18" charset="0"/>
+                <a:cs typeface="Times New Roman" panose="02020603050405020304" pitchFamily="18" charset="0"/>
+              </a:rPr>
+              <a:t>:</a:t>
+            </a:r>
+          </a:p>
+          <a:p>
+            <a:pPr marL="914400" lvl="1" indent="-457200">
+              <a:spcBef>
+                <a:spcPts val="600"/>
+              </a:spcBef>
+              <a:buFont typeface="+mj-lt"/>
+              <a:buAutoNum type="arabicPeriod"/>
+            </a:pPr>
+            <a:r>
+              <a:rPr lang="en-IN" sz="2200" b="1" dirty="0">
+                <a:latin typeface="Times New Roman" panose="02020603050405020304" pitchFamily="18" charset="0"/>
+                <a:cs typeface="Times New Roman" panose="02020603050405020304" pitchFamily="18" charset="0"/>
+              </a:rPr>
+              <a:t>Backend</a:t>
+            </a:r>
+            <a:r>
+              <a:rPr lang="en-IN" sz="2200" dirty="0">
+                <a:latin typeface="Times New Roman" panose="02020603050405020304" pitchFamily="18" charset="0"/>
+                <a:cs typeface="Times New Roman" panose="02020603050405020304" pitchFamily="18" charset="0"/>
+              </a:rPr>
+              <a:t>: </a:t>
+            </a:r>
+            <a:r>
+              <a:rPr lang="en-IN" sz="2200" b="1" dirty="0" err="1">
+                <a:latin typeface="Times New Roman" panose="02020603050405020304" pitchFamily="18" charset="0"/>
+                <a:cs typeface="Times New Roman" panose="02020603050405020304" pitchFamily="18" charset="0"/>
+              </a:rPr>
+              <a:t>FastAPI</a:t>
+            </a:r>
+            <a:r>
+              <a:rPr lang="en-IN" sz="2200" dirty="0">
+                <a:latin typeface="Times New Roman" panose="02020603050405020304" pitchFamily="18" charset="0"/>
+                <a:cs typeface="Times New Roman" panose="02020603050405020304" pitchFamily="18" charset="0"/>
+              </a:rPr>
+              <a:t> (Python) server processing intents and exposing a JSON API.</a:t>
+            </a:r>
+          </a:p>
+          <a:p>
+            <a:pPr marL="914400" lvl="1" indent="-457200">
+              <a:spcBef>
+                <a:spcPts val="600"/>
+              </a:spcBef>
+              <a:buFont typeface="+mj-lt"/>
+              <a:buAutoNum type="arabicPeriod"/>
+            </a:pPr>
+            <a:r>
+              <a:rPr lang="en-IN" sz="2200" b="1" dirty="0">
+                <a:latin typeface="Times New Roman" panose="02020603050405020304" pitchFamily="18" charset="0"/>
+                <a:cs typeface="Times New Roman" panose="02020603050405020304" pitchFamily="18" charset="0"/>
+              </a:rPr>
+              <a:t>Frontend</a:t>
+            </a:r>
+            <a:r>
+              <a:rPr lang="en-IN" sz="2200" dirty="0">
+                <a:latin typeface="Times New Roman" panose="02020603050405020304" pitchFamily="18" charset="0"/>
+                <a:cs typeface="Times New Roman" panose="02020603050405020304" pitchFamily="18" charset="0"/>
+              </a:rPr>
+              <a:t>:</a:t>
+            </a:r>
+            <a:r>
+              <a:rPr lang="en-IN" sz="2200" b="1" dirty="0">
+                <a:latin typeface="Times New Roman" panose="02020603050405020304" pitchFamily="18" charset="0"/>
+                <a:cs typeface="Times New Roman" panose="02020603050405020304" pitchFamily="18" charset="0"/>
+              </a:rPr>
+              <a:t> TypeScript </a:t>
+            </a:r>
+            <a:r>
+              <a:rPr lang="en-IN" sz="2200" dirty="0">
+                <a:latin typeface="Times New Roman" panose="02020603050405020304" pitchFamily="18" charset="0"/>
+                <a:cs typeface="Times New Roman" panose="02020603050405020304" pitchFamily="18" charset="0"/>
+              </a:rPr>
+              <a:t>(VS Code Extension API)</a:t>
+            </a:r>
+            <a:r>
+              <a:rPr lang="en-IN" sz="2200" b="1" dirty="0">
+                <a:latin typeface="Times New Roman" panose="02020603050405020304" pitchFamily="18" charset="0"/>
+                <a:cs typeface="Times New Roman" panose="02020603050405020304" pitchFamily="18" charset="0"/>
+              </a:rPr>
+              <a:t> </a:t>
+            </a:r>
+            <a:r>
+              <a:rPr lang="en-IN" sz="2200" dirty="0">
+                <a:latin typeface="Times New Roman" panose="02020603050405020304" pitchFamily="18" charset="0"/>
+                <a:cs typeface="Times New Roman" panose="02020603050405020304" pitchFamily="18" charset="0"/>
+              </a:rPr>
+              <a:t>handling cursor movements, text edits, and editor commands.</a:t>
+            </a:r>
+          </a:p>
+          <a:p>
+            <a:pPr>
+              <a:spcBef>
+                <a:spcPts val="600"/>
+              </a:spcBef>
+            </a:pPr>
+            <a:br>
+              <a:rPr lang="en-IN" sz="2200" dirty="0">
+                <a:latin typeface="Times New Roman" panose="02020603050405020304" pitchFamily="18" charset="0"/>
+                <a:cs typeface="Times New Roman" panose="02020603050405020304" pitchFamily="18" charset="0"/>
+              </a:rPr>
+            </a:br>
+            <a:endParaRPr lang="en-US" altLang="en-US" sz="2200" dirty="0">
               <a:latin typeface="Times New Roman" panose="02020603050405020304" pitchFamily="18" charset="0"/>
               <a:cs typeface="Times New Roman" panose="02020603050405020304" pitchFamily="18" charset="0"/>
               <a:sym typeface="Times New Roman" panose="02020603050405020304" pitchFamily="18" charset="0"/>
@@ -5178,12 +5482,18 @@
 </p:sld>
 </file>
 
-<file path=ppt/slides/slide12.xml><?xml version="1.0" encoding="utf-8"?>
+<file path=ppt/slides/slide13.xml><?xml version="1.0" encoding="utf-8"?>
 <p:sld xmlns:a="http://schemas.openxmlformats.org/drawingml/2006/main" xmlns:r="http://schemas.openxmlformats.org/officeDocument/2006/relationships" xmlns:p="http://schemas.openxmlformats.org/presentationml/2006/main">
   <p:cSld>
     <p:spTree>
       <p:nvGrpSpPr>
-        <p:cNvPr id="1" name=""/>
+        <p:cNvPr id="1" name="">
+          <a:extLst>
+            <a:ext uri="{FF2B5EF4-FFF2-40B4-BE49-F238E27FC236}">
+              <a16:creationId xmlns:a16="http://schemas.microsoft.com/office/drawing/2014/main" id="{8E0D7F4E-C18F-3184-B259-F05E85E9AD0A}"/>
+            </a:ext>
+          </a:extLst>
+        </p:cNvPr>
         <p:cNvGrpSpPr/>
         <p:nvPr/>
       </p:nvGrpSpPr>
@@ -5197,7 +5507,13 @@
       </p:grpSpPr>
       <p:sp>
         <p:nvSpPr>
-          <p:cNvPr id="11266" name="Title 1"/>
+          <p:cNvPr id="11266" name="Title 1">
+            <a:extLst>
+              <a:ext uri="{FF2B5EF4-FFF2-40B4-BE49-F238E27FC236}">
+                <a16:creationId xmlns:a16="http://schemas.microsoft.com/office/drawing/2014/main" id="{F732E30A-F00C-95FC-5201-65C4DE6FF854}"/>
+              </a:ext>
+            </a:extLst>
+          </p:cNvPr>
           <p:cNvSpPr>
             <a:spLocks noGrp="1"/>
           </p:cNvSpPr>
@@ -5224,7 +5540,7 @@
                 <a:latin typeface="Times New Roman" panose="02020603050405020304" pitchFamily="18" charset="0"/>
                 <a:cs typeface="Times New Roman" panose="02020603050405020304" pitchFamily="18" charset="0"/>
               </a:rPr>
-              <a:t>Implementation details</a:t>
+              <a:t>Project Demo</a:t>
             </a:r>
             <a:endParaRPr lang="en-IN" altLang="en-US" sz="4000" b="1" dirty="0">
               <a:solidFill>
@@ -5238,7 +5554,13 @@
       </p:sp>
       <p:sp>
         <p:nvSpPr>
-          <p:cNvPr id="4" name="Date Placeholder 3"/>
+          <p:cNvPr id="4" name="Date Placeholder 3">
+            <a:extLst>
+              <a:ext uri="{FF2B5EF4-FFF2-40B4-BE49-F238E27FC236}">
+                <a16:creationId xmlns:a16="http://schemas.microsoft.com/office/drawing/2014/main" id="{8A14A48F-94D5-6023-DAF6-23D316146A09}"/>
+              </a:ext>
+            </a:extLst>
+          </p:cNvPr>
           <p:cNvSpPr>
             <a:spLocks noGrp="1"/>
           </p:cNvSpPr>
@@ -5260,7 +5582,13 @@
       </p:sp>
       <p:sp>
         <p:nvSpPr>
-          <p:cNvPr id="11268" name="Google Shape;110;p16"/>
+          <p:cNvPr id="11268" name="Google Shape;110;p16">
+            <a:extLst>
+              <a:ext uri="{FF2B5EF4-FFF2-40B4-BE49-F238E27FC236}">
+                <a16:creationId xmlns:a16="http://schemas.microsoft.com/office/drawing/2014/main" id="{7939948C-8847-4358-7BB2-EDEC6F597687}"/>
+              </a:ext>
+            </a:extLst>
+          </p:cNvPr>
           <p:cNvSpPr txBox="1">
             <a:spLocks/>
           </p:cNvSpPr>
@@ -5468,7 +5796,7 @@
           <p:cNvPr id="8" name="Rectangle 6">
             <a:extLst>
               <a:ext uri="{FF2B5EF4-FFF2-40B4-BE49-F238E27FC236}">
-                <a16:creationId xmlns:a16="http://schemas.microsoft.com/office/drawing/2014/main" id="{A8474D0E-D45A-E8D6-AF6C-69304F2412CC}"/>
+                <a16:creationId xmlns:a16="http://schemas.microsoft.com/office/drawing/2014/main" id="{5607EFA2-ED14-5356-69BF-D9D186D286A7}"/>
               </a:ext>
             </a:extLst>
           </p:cNvPr>
@@ -5479,8 +5807,8 @@
         </p:nvSpPr>
         <p:spPr bwMode="auto">
           <a:xfrm>
-            <a:off x="695400" y="1524000"/>
-            <a:ext cx="10595022" cy="4401205"/>
+            <a:off x="695400" y="1408587"/>
+            <a:ext cx="10595022" cy="4632037"/>
           </a:xfrm>
           <a:prstGeom prst="rect">
             <a:avLst/>
@@ -5528,168 +5856,359 @@
           </a:bodyPr>
           <a:lstStyle/>
           <a:p>
-            <a:pPr marL="285750" marR="0" lvl="0" indent="-285750" algn="just" defTabSz="914400" rtl="0" eaLnBrk="0" fontAlgn="base" latinLnBrk="0" hangingPunct="0">
-              <a:lnSpc>
-                <a:spcPct val="100000"/>
-              </a:lnSpc>
+            <a:pPr marL="457200" indent="-457200">
               <a:spcBef>
-                <a:spcPts val="1200"/>
+                <a:spcPts val="600"/>
               </a:spcBef>
-              <a:spcAft>
-                <a:spcPct val="0"/>
-              </a:spcAft>
-              <a:buClrTx/>
-              <a:buSzTx/>
+              <a:buFont typeface="+mj-lt"/>
+              <a:buAutoNum type="arabicPeriod"/>
+            </a:pPr>
+            <a:r>
+              <a:rPr lang="en-US" sz="2000" b="1" dirty="0">
+                <a:latin typeface="Times New Roman" panose="02020603050405020304" pitchFamily="18" charset="0"/>
+                <a:cs typeface="Times New Roman" panose="02020603050405020304" pitchFamily="18" charset="0"/>
+              </a:rPr>
+              <a:t>Activation</a:t>
+            </a:r>
+            <a:r>
+              <a:rPr lang="en-US" sz="2000" dirty="0">
+                <a:latin typeface="Times New Roman" panose="02020603050405020304" pitchFamily="18" charset="0"/>
+                <a:cs typeface="Times New Roman" panose="02020603050405020304" pitchFamily="18" charset="0"/>
+              </a:rPr>
+              <a:t>: "Start the Voice Assistant." (Show extension status bar changing to 'Listening').</a:t>
+            </a:r>
+          </a:p>
+          <a:p>
+            <a:pPr marL="457200" indent="-457200">
+              <a:spcBef>
+                <a:spcPts val="600"/>
+              </a:spcBef>
+              <a:buFont typeface="+mj-lt"/>
+              <a:buAutoNum type="arabicPeriod"/>
+            </a:pPr>
+            <a:r>
+              <a:rPr lang="en-US" sz="2000" b="1" dirty="0">
+                <a:latin typeface="Times New Roman" panose="02020603050405020304" pitchFamily="18" charset="0"/>
+                <a:cs typeface="Times New Roman" panose="02020603050405020304" pitchFamily="18" charset="0"/>
+              </a:rPr>
+              <a:t>Code Generation</a:t>
+            </a:r>
+            <a:r>
+              <a:rPr lang="en-US" sz="2000" dirty="0">
+                <a:latin typeface="Times New Roman" panose="02020603050405020304" pitchFamily="18" charset="0"/>
+                <a:cs typeface="Times New Roman" panose="02020603050405020304" pitchFamily="18" charset="0"/>
+              </a:rPr>
+              <a:t>:</a:t>
+            </a:r>
+          </a:p>
+          <a:p>
+            <a:pPr marL="914400" lvl="1" indent="-457200">
+              <a:spcBef>
+                <a:spcPts val="600"/>
+              </a:spcBef>
               <a:buFont typeface="Arial" panose="020B0604020202020204" pitchFamily="34" charset="0"/>
               <a:buChar char="•"/>
-              <a:tabLst/>
-            </a:pPr>
-            <a:r>
-              <a:rPr kumimoji="0" lang="en-US" altLang="en-US" sz="2400" b="0" i="0" u="none" strike="noStrike" cap="none" normalizeH="0" baseline="0" dirty="0">
-                <a:ln>
-                  <a:noFill/>
-                </a:ln>
-                <a:solidFill>
-                  <a:schemeClr val="tx1"/>
-                </a:solidFill>
-                <a:effectLst/>
-                <a:latin typeface="Times New Roman" panose="02020603050405020304" pitchFamily="18" charset="0"/>
-                <a:cs typeface="Times New Roman" panose="02020603050405020304" pitchFamily="18" charset="0"/>
-              </a:rPr>
-              <a:t>The solution is implemented as a Visual Studio Code extension integrated with an AI-enabled backend.</a:t>
-            </a:r>
-          </a:p>
-          <a:p>
-            <a:pPr marL="285750" marR="0" lvl="0" indent="-285750" algn="just" defTabSz="914400" rtl="0" eaLnBrk="0" fontAlgn="base" latinLnBrk="0" hangingPunct="0">
-              <a:lnSpc>
-                <a:spcPct val="100000"/>
-              </a:lnSpc>
+            </a:pPr>
+            <a:r>
+              <a:rPr lang="en-US" sz="2000" dirty="0">
+                <a:latin typeface="Times New Roman" panose="02020603050405020304" pitchFamily="18" charset="0"/>
+                <a:cs typeface="Times New Roman" panose="02020603050405020304" pitchFamily="18" charset="0"/>
+              </a:rPr>
+              <a:t>Say: </a:t>
+            </a:r>
+            <a:r>
+              <a:rPr lang="en-US" sz="2000" i="1" dirty="0">
+                <a:latin typeface="Times New Roman" panose="02020603050405020304" pitchFamily="18" charset="0"/>
+                <a:cs typeface="Times New Roman" panose="02020603050405020304" pitchFamily="18" charset="0"/>
+              </a:rPr>
+              <a:t>"Create function calculate total"</a:t>
+            </a:r>
+            <a:r>
+              <a:rPr lang="en-US" sz="2000" dirty="0">
+                <a:latin typeface="Times New Roman" panose="02020603050405020304" pitchFamily="18" charset="0"/>
+                <a:cs typeface="Times New Roman" panose="02020603050405020304" pitchFamily="18" charset="0"/>
+              </a:rPr>
+              <a:t> -&gt; Generates def </a:t>
+            </a:r>
+            <a:r>
+              <a:rPr lang="en-US" sz="2000" dirty="0" err="1">
+                <a:latin typeface="Times New Roman" panose="02020603050405020304" pitchFamily="18" charset="0"/>
+                <a:cs typeface="Times New Roman" panose="02020603050405020304" pitchFamily="18" charset="0"/>
+              </a:rPr>
+              <a:t>calculate_total</a:t>
+            </a:r>
+            <a:r>
+              <a:rPr lang="en-US" sz="2000" dirty="0">
+                <a:latin typeface="Times New Roman" panose="02020603050405020304" pitchFamily="18" charset="0"/>
+                <a:cs typeface="Times New Roman" panose="02020603050405020304" pitchFamily="18" charset="0"/>
+              </a:rPr>
+              <a:t>():</a:t>
+            </a:r>
+          </a:p>
+          <a:p>
+            <a:pPr marL="914400" lvl="1" indent="-457200">
               <a:spcBef>
-                <a:spcPts val="1200"/>
+                <a:spcPts val="600"/>
               </a:spcBef>
-              <a:spcAft>
-                <a:spcPct val="0"/>
-              </a:spcAft>
-              <a:buClrTx/>
-              <a:buSzTx/>
               <a:buFont typeface="Arial" panose="020B0604020202020204" pitchFamily="34" charset="0"/>
               <a:buChar char="•"/>
-              <a:tabLst/>
-            </a:pPr>
-            <a:r>
-              <a:rPr kumimoji="0" lang="en-US" altLang="en-US" sz="2400" b="0" i="0" u="none" strike="noStrike" cap="none" normalizeH="0" baseline="0" dirty="0">
-                <a:ln>
-                  <a:noFill/>
-                </a:ln>
-                <a:solidFill>
-                  <a:schemeClr val="tx1"/>
-                </a:solidFill>
-                <a:effectLst/>
-                <a:latin typeface="Times New Roman" panose="02020603050405020304" pitchFamily="18" charset="0"/>
-                <a:cs typeface="Times New Roman" panose="02020603050405020304" pitchFamily="18" charset="0"/>
-              </a:rPr>
-              <a:t>The extension handles editor context extraction, command execution, and real-time code insertion.</a:t>
-            </a:r>
-          </a:p>
-          <a:p>
-            <a:pPr marL="285750" marR="0" lvl="0" indent="-285750" algn="just" defTabSz="914400" rtl="0" eaLnBrk="0" fontAlgn="base" latinLnBrk="0" hangingPunct="0">
-              <a:lnSpc>
-                <a:spcPct val="100000"/>
-              </a:lnSpc>
+            </a:pPr>
+            <a:r>
+              <a:rPr lang="en-US" sz="2000" dirty="0">
+                <a:latin typeface="Times New Roman" panose="02020603050405020304" pitchFamily="18" charset="0"/>
+                <a:cs typeface="Times New Roman" panose="02020603050405020304" pitchFamily="18" charset="0"/>
+              </a:rPr>
+              <a:t>Say: </a:t>
+            </a:r>
+            <a:r>
+              <a:rPr lang="en-US" sz="2000" i="1" dirty="0">
+                <a:latin typeface="Times New Roman" panose="02020603050405020304" pitchFamily="18" charset="0"/>
+                <a:cs typeface="Times New Roman" panose="02020603050405020304" pitchFamily="18" charset="0"/>
+              </a:rPr>
+              <a:t>“Create for loop”</a:t>
+            </a:r>
+            <a:r>
+              <a:rPr lang="en-US" sz="2000" dirty="0">
+                <a:latin typeface="Times New Roman" panose="02020603050405020304" pitchFamily="18" charset="0"/>
+                <a:cs typeface="Times New Roman" panose="02020603050405020304" pitchFamily="18" charset="0"/>
+              </a:rPr>
+              <a:t> -&gt; Generates a for loop </a:t>
+            </a:r>
+          </a:p>
+          <a:p>
+            <a:pPr marL="914400" lvl="1" indent="-457200">
               <a:spcBef>
-                <a:spcPts val="1200"/>
+                <a:spcPts val="600"/>
               </a:spcBef>
-              <a:spcAft>
-                <a:spcPct val="0"/>
-              </a:spcAft>
-              <a:buClrTx/>
-              <a:buSzTx/>
               <a:buFont typeface="Arial" panose="020B0604020202020204" pitchFamily="34" charset="0"/>
               <a:buChar char="•"/>
-              <a:tabLst/>
-            </a:pPr>
-            <a:r>
-              <a:rPr kumimoji="0" lang="en-US" altLang="en-US" sz="2400" b="0" i="0" u="none" strike="noStrike" cap="none" normalizeH="0" baseline="0" dirty="0">
-                <a:ln>
-                  <a:noFill/>
-                </a:ln>
-                <a:solidFill>
-                  <a:schemeClr val="tx1"/>
-                </a:solidFill>
-                <a:effectLst/>
-                <a:latin typeface="Times New Roman" panose="02020603050405020304" pitchFamily="18" charset="0"/>
-                <a:cs typeface="Times New Roman" panose="02020603050405020304" pitchFamily="18" charset="0"/>
-              </a:rPr>
-              <a:t>The backend performs speech recognition and intent interpretation to generate structured responses.</a:t>
-            </a:r>
-          </a:p>
-          <a:p>
-            <a:pPr marL="285750" marR="0" lvl="0" indent="-285750" algn="just" defTabSz="914400" rtl="0" eaLnBrk="0" fontAlgn="base" latinLnBrk="0" hangingPunct="0">
-              <a:lnSpc>
-                <a:spcPct val="100000"/>
-              </a:lnSpc>
+            </a:pPr>
+            <a:r>
+              <a:rPr lang="en-US" sz="2000" dirty="0">
+                <a:latin typeface="Times New Roman" panose="02020603050405020304" pitchFamily="18" charset="0"/>
+                <a:cs typeface="Times New Roman" panose="02020603050405020304" pitchFamily="18" charset="0"/>
+              </a:rPr>
+              <a:t>Say: </a:t>
+            </a:r>
+            <a:r>
+              <a:rPr lang="en-US" sz="2000" i="1" dirty="0">
+                <a:latin typeface="Times New Roman" panose="02020603050405020304" pitchFamily="18" charset="0"/>
+                <a:cs typeface="Times New Roman" panose="02020603050405020304" pitchFamily="18" charset="0"/>
+              </a:rPr>
+              <a:t>"Print hello world"</a:t>
+            </a:r>
+            <a:r>
+              <a:rPr lang="en-US" sz="2000" dirty="0">
+                <a:latin typeface="Times New Roman" panose="02020603050405020304" pitchFamily="18" charset="0"/>
+                <a:cs typeface="Times New Roman" panose="02020603050405020304" pitchFamily="18" charset="0"/>
+              </a:rPr>
+              <a:t> -&gt; Generates print("hello world")</a:t>
+            </a:r>
+          </a:p>
+          <a:p>
+            <a:pPr marL="457200" indent="-457200">
               <a:spcBef>
-                <a:spcPts val="1200"/>
+                <a:spcPts val="600"/>
               </a:spcBef>
-              <a:spcAft>
-                <a:spcPct val="0"/>
-              </a:spcAft>
-              <a:buClrTx/>
-              <a:buSzTx/>
+              <a:buFont typeface="+mj-lt"/>
+              <a:buAutoNum type="arabicPeriod"/>
+            </a:pPr>
+            <a:r>
+              <a:rPr lang="en-US" sz="2000" b="1" dirty="0">
+                <a:latin typeface="Times New Roman" panose="02020603050405020304" pitchFamily="18" charset="0"/>
+                <a:cs typeface="Times New Roman" panose="02020603050405020304" pitchFamily="18" charset="0"/>
+              </a:rPr>
+              <a:t>Navigation &amp; Editing</a:t>
+            </a:r>
+            <a:r>
+              <a:rPr lang="en-US" sz="2000" dirty="0">
+                <a:latin typeface="Times New Roman" panose="02020603050405020304" pitchFamily="18" charset="0"/>
+                <a:cs typeface="Times New Roman" panose="02020603050405020304" pitchFamily="18" charset="0"/>
+              </a:rPr>
+              <a:t>:</a:t>
+            </a:r>
+          </a:p>
+          <a:p>
+            <a:pPr marL="914400" lvl="1" indent="-457200">
+              <a:spcBef>
+                <a:spcPts val="600"/>
+              </a:spcBef>
               <a:buFont typeface="Arial" panose="020B0604020202020204" pitchFamily="34" charset="0"/>
               <a:buChar char="•"/>
-              <a:tabLst/>
-            </a:pPr>
-            <a:r>
-              <a:rPr kumimoji="0" lang="en-US" altLang="en-US" sz="2400" b="0" i="0" u="none" strike="noStrike" cap="none" normalizeH="0" baseline="0" dirty="0">
-                <a:ln>
-                  <a:noFill/>
-                </a:ln>
-                <a:solidFill>
-                  <a:schemeClr val="tx1"/>
-                </a:solidFill>
-                <a:effectLst/>
-                <a:latin typeface="Times New Roman" panose="02020603050405020304" pitchFamily="18" charset="0"/>
-                <a:cs typeface="Times New Roman" panose="02020603050405020304" pitchFamily="18" charset="0"/>
-              </a:rPr>
-              <a:t>Language-specific execution modules support Python, HTML, and JavaScript code generation.</a:t>
-            </a:r>
-          </a:p>
-          <a:p>
-            <a:pPr marL="285750" marR="0" lvl="0" indent="-285750" algn="just" defTabSz="914400" rtl="0" eaLnBrk="0" fontAlgn="base" latinLnBrk="0" hangingPunct="0">
-              <a:lnSpc>
-                <a:spcPct val="100000"/>
-              </a:lnSpc>
+            </a:pPr>
+            <a:r>
+              <a:rPr lang="en-US" sz="2000" dirty="0">
+                <a:latin typeface="Times New Roman" panose="02020603050405020304" pitchFamily="18" charset="0"/>
+                <a:cs typeface="Times New Roman" panose="02020603050405020304" pitchFamily="18" charset="0"/>
+              </a:rPr>
+              <a:t>Say: </a:t>
+            </a:r>
+            <a:r>
+              <a:rPr lang="en-US" sz="2000" i="1" dirty="0">
+                <a:latin typeface="Times New Roman" panose="02020603050405020304" pitchFamily="18" charset="0"/>
+                <a:cs typeface="Times New Roman" panose="02020603050405020304" pitchFamily="18" charset="0"/>
+              </a:rPr>
+              <a:t>"Line 10"</a:t>
+            </a:r>
+            <a:r>
+              <a:rPr lang="en-US" sz="2000" dirty="0">
+                <a:latin typeface="Times New Roman" panose="02020603050405020304" pitchFamily="18" charset="0"/>
+                <a:cs typeface="Times New Roman" panose="02020603050405020304" pitchFamily="18" charset="0"/>
+              </a:rPr>
+              <a:t> -&gt; Cursor jumps to line 10.</a:t>
+            </a:r>
+          </a:p>
+          <a:p>
+            <a:pPr marL="914400" lvl="1" indent="-457200">
               <a:spcBef>
-                <a:spcPts val="1200"/>
+                <a:spcPts val="600"/>
               </a:spcBef>
-              <a:spcAft>
-                <a:spcPct val="0"/>
-              </a:spcAft>
-              <a:buClrTx/>
-              <a:buSzTx/>
               <a:buFont typeface="Arial" panose="020B0604020202020204" pitchFamily="34" charset="0"/>
               <a:buChar char="•"/>
-              <a:tabLst/>
-            </a:pPr>
-            <a:r>
-              <a:rPr kumimoji="0" lang="en-US" altLang="en-US" sz="2400" b="0" i="0" u="none" strike="noStrike" cap="none" normalizeH="0" baseline="0" dirty="0">
-                <a:ln>
-                  <a:noFill/>
-                </a:ln>
-                <a:solidFill>
-                  <a:schemeClr val="tx1"/>
-                </a:solidFill>
-                <a:effectLst/>
-                <a:latin typeface="Times New Roman" panose="02020603050405020304" pitchFamily="18" charset="0"/>
-                <a:cs typeface="Times New Roman" panose="02020603050405020304" pitchFamily="18" charset="0"/>
-              </a:rPr>
-              <a:t>Strict validation and asynchronous communication ensure reliability, scalability, and responsiveness.</a:t>
+            </a:pPr>
+            <a:r>
+              <a:rPr lang="en-US" sz="2000" dirty="0">
+                <a:latin typeface="Times New Roman" panose="02020603050405020304" pitchFamily="18" charset="0"/>
+                <a:cs typeface="Times New Roman" panose="02020603050405020304" pitchFamily="18" charset="0"/>
+              </a:rPr>
+              <a:t>Say: </a:t>
+            </a:r>
+            <a:r>
+              <a:rPr lang="en-US" sz="2000" i="1" dirty="0">
+                <a:latin typeface="Times New Roman" panose="02020603050405020304" pitchFamily="18" charset="0"/>
+                <a:cs typeface="Times New Roman" panose="02020603050405020304" pitchFamily="18" charset="0"/>
+              </a:rPr>
+              <a:t>"Duplicate"</a:t>
+            </a:r>
+            <a:r>
+              <a:rPr lang="en-US" sz="2000" dirty="0">
+                <a:latin typeface="Times New Roman" panose="02020603050405020304" pitchFamily="18" charset="0"/>
+                <a:cs typeface="Times New Roman" panose="02020603050405020304" pitchFamily="18" charset="0"/>
+              </a:rPr>
+              <a:t> -&gt; Duplicates the current line.</a:t>
+            </a:r>
+          </a:p>
+          <a:p>
+            <a:pPr marL="914400" lvl="1" indent="-457200">
+              <a:spcBef>
+                <a:spcPts val="600"/>
+              </a:spcBef>
+              <a:buFont typeface="Arial" panose="020B0604020202020204" pitchFamily="34" charset="0"/>
+              <a:buChar char="•"/>
+            </a:pPr>
+            <a:r>
+              <a:rPr lang="en-US" sz="2000" dirty="0">
+                <a:latin typeface="Times New Roman" panose="02020603050405020304" pitchFamily="18" charset="0"/>
+                <a:cs typeface="Times New Roman" panose="02020603050405020304" pitchFamily="18" charset="0"/>
+              </a:rPr>
+              <a:t>Say: </a:t>
+            </a:r>
+            <a:r>
+              <a:rPr lang="en-US" sz="2000" i="1" dirty="0">
+                <a:latin typeface="Times New Roman" panose="02020603050405020304" pitchFamily="18" charset="0"/>
+                <a:cs typeface="Times New Roman" panose="02020603050405020304" pitchFamily="18" charset="0"/>
+              </a:rPr>
+              <a:t>"Remove line"</a:t>
+            </a:r>
+            <a:r>
+              <a:rPr lang="en-US" sz="2000" dirty="0">
+                <a:latin typeface="Times New Roman" panose="02020603050405020304" pitchFamily="18" charset="0"/>
+                <a:cs typeface="Times New Roman" panose="02020603050405020304" pitchFamily="18" charset="0"/>
+              </a:rPr>
+              <a:t> -&gt; Deletes the line.</a:t>
+            </a:r>
+          </a:p>
+          <a:p>
+            <a:pPr marL="457200" indent="-457200">
+              <a:spcBef>
+                <a:spcPts val="600"/>
+              </a:spcBef>
+              <a:buFont typeface="+mj-lt"/>
+              <a:buAutoNum type="arabicPeriod"/>
+            </a:pPr>
+            <a:r>
+              <a:rPr lang="en-US" sz="2000" b="1" dirty="0">
+                <a:latin typeface="Times New Roman" panose="02020603050405020304" pitchFamily="18" charset="0"/>
+                <a:cs typeface="Times New Roman" panose="02020603050405020304" pitchFamily="18" charset="0"/>
+              </a:rPr>
+              <a:t>Workflow</a:t>
+            </a:r>
+            <a:r>
+              <a:rPr lang="en-US" sz="2000" dirty="0">
+                <a:latin typeface="Times New Roman" panose="02020603050405020304" pitchFamily="18" charset="0"/>
+                <a:cs typeface="Times New Roman" panose="02020603050405020304" pitchFamily="18" charset="0"/>
+              </a:rPr>
+              <a:t>:</a:t>
+            </a:r>
+          </a:p>
+          <a:p>
+            <a:pPr marL="914400" lvl="1" indent="-457200">
+              <a:spcBef>
+                <a:spcPts val="600"/>
+              </a:spcBef>
+              <a:buFont typeface="Arial" panose="020B0604020202020204" pitchFamily="34" charset="0"/>
+              <a:buChar char="•"/>
+            </a:pPr>
+            <a:r>
+              <a:rPr lang="en-US" sz="2000" dirty="0">
+                <a:latin typeface="Times New Roman" panose="02020603050405020304" pitchFamily="18" charset="0"/>
+                <a:cs typeface="Times New Roman" panose="02020603050405020304" pitchFamily="18" charset="0"/>
+              </a:rPr>
+              <a:t>Say: </a:t>
+            </a:r>
+            <a:r>
+              <a:rPr lang="en-US" sz="2000" i="1" dirty="0">
+                <a:latin typeface="Times New Roman" panose="02020603050405020304" pitchFamily="18" charset="0"/>
+                <a:cs typeface="Times New Roman" panose="02020603050405020304" pitchFamily="18" charset="0"/>
+              </a:rPr>
+              <a:t>"Run code"</a:t>
+            </a:r>
+            <a:r>
+              <a:rPr lang="en-US" sz="2000" dirty="0">
+                <a:latin typeface="Times New Roman" panose="02020603050405020304" pitchFamily="18" charset="0"/>
+                <a:cs typeface="Times New Roman" panose="02020603050405020304" pitchFamily="18" charset="0"/>
+              </a:rPr>
+              <a:t> -&gt; Triggers the run command in terminal.</a:t>
+            </a:r>
+          </a:p>
+          <a:p>
+            <a:pPr marL="914400" lvl="1" indent="-457200">
+              <a:spcBef>
+                <a:spcPts val="600"/>
+              </a:spcBef>
+              <a:buFont typeface="Arial" panose="020B0604020202020204" pitchFamily="34" charset="0"/>
+              <a:buChar char="•"/>
+            </a:pPr>
+            <a:r>
+              <a:rPr lang="en-US" sz="2000" dirty="0">
+                <a:latin typeface="Times New Roman" panose="02020603050405020304" pitchFamily="18" charset="0"/>
+                <a:cs typeface="Times New Roman" panose="02020603050405020304" pitchFamily="18" charset="0"/>
+              </a:rPr>
+              <a:t>Say: </a:t>
+            </a:r>
+            <a:r>
+              <a:rPr lang="en-US" sz="2000" i="1" dirty="0">
+                <a:latin typeface="Times New Roman" panose="02020603050405020304" pitchFamily="18" charset="0"/>
+                <a:cs typeface="Times New Roman" panose="02020603050405020304" pitchFamily="18" charset="0"/>
+              </a:rPr>
+              <a:t>"Stop listening"</a:t>
+            </a:r>
+            <a:r>
+              <a:rPr lang="en-US" sz="2000" dirty="0">
+                <a:latin typeface="Times New Roman" panose="02020603050405020304" pitchFamily="18" charset="0"/>
+                <a:cs typeface="Times New Roman" panose="02020603050405020304" pitchFamily="18" charset="0"/>
+              </a:rPr>
+              <a:t> -&gt; Deactivates the voice loop.</a:t>
             </a:r>
           </a:p>
         </p:txBody>
       </p:sp>
     </p:spTree>
+    <p:extLst>
+      <p:ext uri="{BB962C8B-B14F-4D97-AF65-F5344CB8AC3E}">
+        <p14:creationId xmlns:p14="http://schemas.microsoft.com/office/powerpoint/2010/main" val="829291706"/>
+      </p:ext>
+    </p:extLst>
   </p:cSld>
   <p:clrMapOvr>
     <a:masterClrMapping/>
@@ -5697,7 +6216,7 @@
 </p:sld>
 </file>
 
-<file path=ppt/slides/slide13.xml><?xml version="1.0" encoding="utf-8"?>
+<file path=ppt/slides/slide14.xml><?xml version="1.0" encoding="utf-8"?>
 <p:sld xmlns:a="http://schemas.openxmlformats.org/drawingml/2006/main" xmlns:r="http://schemas.openxmlformats.org/officeDocument/2006/relationships" xmlns:p="http://schemas.openxmlformats.org/presentationml/2006/main">
   <p:cSld>
     <p:spTree>
@@ -5765,28 +6284,6 @@
       </p:sp>
       <p:sp>
         <p:nvSpPr>
-          <p:cNvPr id="4" name="Date Placeholder 3"/>
-          <p:cNvSpPr>
-            <a:spLocks noGrp="1"/>
-          </p:cNvSpPr>
-          <p:nvPr>
-            <p:ph type="dt" sz="quarter" idx="10"/>
-          </p:nvPr>
-        </p:nvSpPr>
-        <p:spPr/>
-        <p:txBody>
-          <a:bodyPr/>
-          <a:lstStyle/>
-          <a:p>
-            <a:pPr>
-              <a:defRPr/>
-            </a:pPr>
-            <a:endParaRPr lang="en-US"/>
-          </a:p>
-        </p:txBody>
-      </p:sp>
-      <p:sp>
-        <p:nvSpPr>
           <p:cNvPr id="12292" name="Google Shape;110;p16"/>
           <p:cNvSpPr txBox="1">
             <a:spLocks/>
@@ -5795,8 +6292,8 @@
         </p:nvSpPr>
         <p:spPr bwMode="auto">
           <a:xfrm>
-            <a:off x="1048544" y="1539081"/>
-            <a:ext cx="10094912" cy="4419600"/>
+            <a:off x="627856" y="1556792"/>
+            <a:ext cx="10515600" cy="4473897"/>
           </a:xfrm>
           <a:prstGeom prst="rect">
             <a:avLst/>
@@ -5935,7 +6432,7 @@
             </a:lvl9pPr>
           </a:lstStyle>
           <a:p>
-            <a:pPr marL="0" indent="0" algn="just" defTabSz="914400" eaLnBrk="1" hangingPunct="1">
+            <a:pPr marL="342900" indent="-342900" algn="just" defTabSz="914400" eaLnBrk="1" hangingPunct="1">
               <a:lnSpc>
                 <a:spcPct val="150000"/>
               </a:lnSpc>
@@ -5943,13 +6440,35 @@
                 <a:srgbClr val="000000"/>
               </a:buClr>
               <a:buSzPts val="2400"/>
+              <a:buFont typeface="Arial" panose="020B0604020202020204" pitchFamily="34" charset="0"/>
+              <a:buChar char="•"/>
             </a:pPr>
             <a:r>
               <a:rPr lang="en-US" sz="2400" dirty="0">
                 <a:latin typeface="Times New Roman" panose="02020603050405020304" pitchFamily="18" charset="0"/>
                 <a:cs typeface="Times New Roman" panose="02020603050405020304" pitchFamily="18" charset="0"/>
               </a:rPr>
-              <a:t>	This project presents a voice-driven coding assistant that enhances accessibility through AI-assisted interaction. By combining speech recognition, intent-based understanding, and context-aware execution, the system delivers Copilot-like functionality with controlled and reliable behavior. Its modular architecture supports extensibility across languages and commands, establishing a practical foundation for inclusive, voice-controlled software development environments.</a:t>
+              <a:t>The Voice to Code Assistant successfully demonstrates that effective, hands-free programming is achievable without compromising privacy or relying on expensive cloud services. </a:t>
+            </a:r>
+          </a:p>
+          <a:p>
+            <a:pPr marL="342900" indent="-342900" algn="just" defTabSz="914400" eaLnBrk="1" hangingPunct="1">
+              <a:lnSpc>
+                <a:spcPct val="150000"/>
+              </a:lnSpc>
+              <a:buClr>
+                <a:srgbClr val="000000"/>
+              </a:buClr>
+              <a:buSzPts val="2400"/>
+              <a:buFont typeface="Arial" panose="020B0604020202020204" pitchFamily="34" charset="0"/>
+              <a:buChar char="•"/>
+            </a:pPr>
+            <a:r>
+              <a:rPr lang="en-US" sz="2400" dirty="0">
+                <a:latin typeface="Times New Roman" panose="02020603050405020304" pitchFamily="18" charset="0"/>
+                <a:cs typeface="Times New Roman" panose="02020603050405020304" pitchFamily="18" charset="0"/>
+              </a:rPr>
+              <a:t>By combining efficient offline speech recognition with deep IDE integration, we have created a tool that not only aids accessibility but also enhances developer productivity. This project lays the foundation for a future where coding is as natural as speaking.</a:t>
             </a:r>
             <a:endParaRPr lang="en-US" altLang="en-US" sz="2200" dirty="0">
               <a:latin typeface="Times New Roman" panose="02020603050405020304" pitchFamily="18" charset="0"/>
@@ -5967,7 +6486,7 @@
 </p:sld>
 </file>
 
-<file path=ppt/slides/slide14.xml><?xml version="1.0" encoding="utf-8"?>
+<file path=ppt/slides/slide15.xml><?xml version="1.0" encoding="utf-8"?>
 <p:sld xmlns:a="http://schemas.openxmlformats.org/drawingml/2006/main" xmlns:r="http://schemas.openxmlformats.org/officeDocument/2006/relationships" xmlns:p="http://schemas.openxmlformats.org/presentationml/2006/main">
   <p:cSld>
     <p:spTree>
@@ -6057,7 +6576,7 @@
         </p:nvSpPr>
         <p:spPr bwMode="auto">
           <a:xfrm>
-            <a:off x="479376" y="1426344"/>
+            <a:off x="365766" y="1582350"/>
             <a:ext cx="11460467" cy="5112568"/>
           </a:xfrm>
           <a:prstGeom prst="rect">
@@ -6766,7 +7285,7 @@
 </p:sld>
 </file>
 
-<file path=ppt/slides/slide15.xml><?xml version="1.0" encoding="utf-8"?>
+<file path=ppt/slides/slide16.xml><?xml version="1.0" encoding="utf-8"?>
 <p:sld xmlns:a="http://schemas.openxmlformats.org/drawingml/2006/main" xmlns:r="http://schemas.openxmlformats.org/officeDocument/2006/relationships" xmlns:p="http://schemas.openxmlformats.org/presentationml/2006/main">
   <p:cSld>
     <p:spTree>
@@ -7011,7 +7530,7 @@
         </p:nvSpPr>
         <p:spPr>
           <a:xfrm>
-            <a:off x="914400" y="1219200"/>
+            <a:off x="983432" y="1236133"/>
             <a:ext cx="6096000" cy="5029200"/>
           </a:xfrm>
         </p:spPr>
@@ -7021,7 +7540,57 @@
           <a:p>
             <a:pPr eaLnBrk="1" hangingPunct="1"/>
             <a:r>
-              <a:rPr lang="en-US" altLang="en-US" b="1" dirty="0">
+              <a:rPr lang="en-US" altLang="en-US" sz="2400" b="1" dirty="0">
+                <a:latin typeface="Times New Roman" panose="02020603050405020304" pitchFamily="18" charset="0"/>
+                <a:cs typeface="Times New Roman" panose="02020603050405020304" pitchFamily="18" charset="0"/>
+              </a:rPr>
+              <a:t>Problem Description </a:t>
+            </a:r>
+          </a:p>
+          <a:p>
+            <a:pPr eaLnBrk="1" hangingPunct="1"/>
+            <a:r>
+              <a:rPr lang="en-US" altLang="en-US" sz="2400" b="1" dirty="0">
+                <a:latin typeface="Times New Roman" panose="02020603050405020304" pitchFamily="18" charset="0"/>
+                <a:cs typeface="Times New Roman" panose="02020603050405020304" pitchFamily="18" charset="0"/>
+              </a:rPr>
+              <a:t>Literature Survey Summary</a:t>
+            </a:r>
+          </a:p>
+          <a:p>
+            <a:pPr eaLnBrk="1" hangingPunct="1"/>
+            <a:r>
+              <a:rPr lang="en-US" altLang="en-US" sz="2400" b="1" dirty="0">
+                <a:latin typeface="Times New Roman" panose="02020603050405020304" pitchFamily="18" charset="0"/>
+                <a:cs typeface="Times New Roman" panose="02020603050405020304" pitchFamily="18" charset="0"/>
+              </a:rPr>
+              <a:t>Architecture Diagram</a:t>
+            </a:r>
+          </a:p>
+          <a:p>
+            <a:pPr eaLnBrk="1" hangingPunct="1"/>
+            <a:r>
+              <a:rPr lang="en-US" altLang="en-US" sz="2400" b="1" dirty="0">
+                <a:latin typeface="Times New Roman" panose="02020603050405020304" pitchFamily="18" charset="0"/>
+                <a:cs typeface="Times New Roman" panose="02020603050405020304" pitchFamily="18" charset="0"/>
+              </a:rPr>
+              <a:t>Result and Analysis</a:t>
+            </a:r>
+          </a:p>
+          <a:p>
+            <a:pPr eaLnBrk="1" hangingPunct="1"/>
+            <a:r>
+              <a:rPr lang="en-US" altLang="en-US" sz="2400" b="1" dirty="0">
+                <a:latin typeface="Times New Roman" panose="02020603050405020304" pitchFamily="18" charset="0"/>
+                <a:cs typeface="Times New Roman" panose="02020603050405020304" pitchFamily="18" charset="0"/>
+              </a:rPr>
+              <a:t>Claims </a:t>
+            </a:r>
+          </a:p>
+          <a:p>
+            <a:pPr eaLnBrk="1" hangingPunct="1"/>
+            <a:r>
+              <a:rPr lang="en-US" altLang="en-US" sz="2400" b="1" dirty="0">
                 <a:latin typeface="Times New Roman" panose="02020603050405020304" pitchFamily="18" charset="0"/>
                 <a:cs typeface="Times New Roman" panose="02020603050405020304" pitchFamily="18" charset="0"/>
               </a:rPr>
@@ -7031,79 +7600,42 @@
           <a:p>
             <a:pPr eaLnBrk="1" hangingPunct="1"/>
             <a:r>
-              <a:rPr lang="en-US" altLang="en-US" b="1" dirty="0">
-                <a:latin typeface="Times New Roman" panose="02020603050405020304" pitchFamily="18" charset="0"/>
-                <a:cs typeface="Times New Roman" panose="02020603050405020304" pitchFamily="18" charset="0"/>
-              </a:rPr>
-              <a:t>Literature Survey Summary</a:t>
+              <a:rPr lang="en-US" altLang="en-US" sz="2400" b="1" dirty="0">
+                <a:latin typeface="Times New Roman" panose="02020603050405020304" pitchFamily="18" charset="0"/>
+                <a:cs typeface="Times New Roman" panose="02020603050405020304" pitchFamily="18" charset="0"/>
+              </a:rPr>
+              <a:t>Diagrams and figures</a:t>
             </a:r>
           </a:p>
           <a:p>
             <a:pPr eaLnBrk="1" hangingPunct="1"/>
             <a:r>
-              <a:rPr lang="en-US" altLang="en-US" b="1" dirty="0">
-                <a:latin typeface="Times New Roman" panose="02020603050405020304" pitchFamily="18" charset="0"/>
-                <a:cs typeface="Times New Roman" panose="02020603050405020304" pitchFamily="18" charset="0"/>
-              </a:rPr>
-              <a:t>Architecture Diagram</a:t>
+              <a:rPr lang="en-US" altLang="en-US" sz="2400" b="1" dirty="0">
+                <a:latin typeface="Times New Roman" panose="02020603050405020304" pitchFamily="18" charset="0"/>
+                <a:cs typeface="Times New Roman" panose="02020603050405020304" pitchFamily="18" charset="0"/>
+              </a:rPr>
+              <a:t>Algorithms used</a:t>
             </a:r>
           </a:p>
           <a:p>
             <a:pPr eaLnBrk="1" hangingPunct="1"/>
             <a:r>
-              <a:rPr lang="en-US" altLang="en-US" b="1" dirty="0">
-                <a:latin typeface="Times New Roman" panose="02020603050405020304" pitchFamily="18" charset="0"/>
-                <a:cs typeface="Times New Roman" panose="02020603050405020304" pitchFamily="18" charset="0"/>
-              </a:rPr>
-              <a:t>Detailed description of the drawings</a:t>
+              <a:rPr lang="en-US" altLang="en-US" sz="2400" b="1" dirty="0">
+                <a:latin typeface="Times New Roman" panose="02020603050405020304" pitchFamily="18" charset="0"/>
+                <a:cs typeface="Times New Roman" panose="02020603050405020304" pitchFamily="18" charset="0"/>
+              </a:rPr>
+              <a:t>Project demo</a:t>
             </a:r>
           </a:p>
           <a:p>
             <a:pPr eaLnBrk="1" hangingPunct="1"/>
             <a:r>
-              <a:rPr lang="en-US" altLang="en-US" b="1" dirty="0">
-                <a:latin typeface="Times New Roman" panose="02020603050405020304" pitchFamily="18" charset="0"/>
-                <a:cs typeface="Times New Roman" panose="02020603050405020304" pitchFamily="18" charset="0"/>
-              </a:rPr>
-              <a:t>Detailed Description of the Invention</a:t>
-            </a:r>
-          </a:p>
-          <a:p>
-            <a:pPr lvl="1" eaLnBrk="1" hangingPunct="1"/>
-            <a:r>
-              <a:rPr lang="en-US" altLang="en-US" sz="2800" b="1" dirty="0">
-                <a:latin typeface="Times New Roman" panose="02020603050405020304" pitchFamily="18" charset="0"/>
-                <a:cs typeface="Times New Roman" panose="02020603050405020304" pitchFamily="18" charset="0"/>
-              </a:rPr>
-              <a:t>Methodology</a:t>
-            </a:r>
-          </a:p>
-          <a:p>
-            <a:pPr lvl="1" eaLnBrk="1" hangingPunct="1"/>
-            <a:r>
-              <a:rPr lang="en-US" altLang="en-US" sz="2800" b="1" dirty="0">
-                <a:latin typeface="Times New Roman" panose="02020603050405020304" pitchFamily="18" charset="0"/>
-                <a:cs typeface="Times New Roman" panose="02020603050405020304" pitchFamily="18" charset="0"/>
-              </a:rPr>
-              <a:t>Implementation details</a:t>
-            </a:r>
-          </a:p>
-          <a:p>
-            <a:pPr lvl="1" eaLnBrk="1" hangingPunct="1">
-              <a:buFont typeface="Arial" panose="020B0604020202020204" pitchFamily="34" charset="0"/>
-              <a:buNone/>
-            </a:pPr>
-            <a:endParaRPr lang="en-US" altLang="en-US" sz="2800" b="1" dirty="0">
-              <a:latin typeface="Times New Roman" panose="02020603050405020304" pitchFamily="18" charset="0"/>
-              <a:cs typeface="Times New Roman" panose="02020603050405020304" pitchFamily="18" charset="0"/>
-            </a:endParaRPr>
-          </a:p>
-          <a:p>
-            <a:pPr eaLnBrk="1" hangingPunct="1"/>
-            <a:endParaRPr lang="en-US" altLang="en-US" b="1" dirty="0">
-              <a:latin typeface="Times New Roman" panose="02020603050405020304" pitchFamily="18" charset="0"/>
-              <a:cs typeface="Times New Roman" panose="02020603050405020304" pitchFamily="18" charset="0"/>
-            </a:endParaRPr>
+              <a:rPr lang="en-US" altLang="en-US" sz="2400" b="1" dirty="0">
+                <a:latin typeface="Times New Roman" panose="02020603050405020304" pitchFamily="18" charset="0"/>
+                <a:cs typeface="Times New Roman" panose="02020603050405020304" pitchFamily="18" charset="0"/>
+              </a:rPr>
+              <a:t>Conclusion</a:t>
+            </a:r>
           </a:p>
         </p:txBody>
       </p:sp>
@@ -7138,165 +7670,6 @@
               </a:rPr>
               <a:t>Contents</a:t>
             </a:r>
-          </a:p>
-        </p:txBody>
-      </p:sp>
-      <p:sp>
-        <p:nvSpPr>
-          <p:cNvPr id="3076" name="Text Box 1"/>
-          <p:cNvSpPr txBox="1">
-            <a:spLocks noChangeArrowheads="1"/>
-          </p:cNvSpPr>
-          <p:nvPr/>
-        </p:nvSpPr>
-        <p:spPr bwMode="auto">
-          <a:xfrm>
-            <a:off x="6705600" y="6815138"/>
-            <a:ext cx="4064000" cy="368300"/>
-          </a:xfrm>
-          <a:prstGeom prst="rect">
-            <a:avLst/>
-          </a:prstGeom>
-          <a:noFill/>
-          <a:ln>
-            <a:noFill/>
-          </a:ln>
-          <a:extLst>
-            <a:ext uri="{909E8E84-426E-40DD-AFC4-6F175D3DCCD1}">
-              <a14:hiddenFill xmlns:a14="http://schemas.microsoft.com/office/drawing/2010/main">
-                <a:solidFill>
-                  <a:srgbClr val="FFFFFF"/>
-                </a:solidFill>
-              </a14:hiddenFill>
-            </a:ext>
-            <a:ext uri="{91240B29-F687-4F45-9708-019B960494DF}">
-              <a14:hiddenLine xmlns:a14="http://schemas.microsoft.com/office/drawing/2010/main" w="9525">
-                <a:solidFill>
-                  <a:srgbClr val="000000"/>
-                </a:solidFill>
-                <a:miter lim="800000"/>
-                <a:headEnd/>
-                <a:tailEnd/>
-              </a14:hiddenLine>
-            </a:ext>
-          </a:extLst>
-        </p:spPr>
-        <p:txBody>
-          <a:bodyPr>
-            <a:spAutoFit/>
-          </a:bodyPr>
-          <a:lstStyle>
-            <a:lvl1pPr eaLnBrk="0" hangingPunct="0">
-              <a:defRPr>
-                <a:solidFill>
-                  <a:schemeClr val="tx1"/>
-                </a:solidFill>
-                <a:latin typeface="Arial" panose="020B0604020202020204" pitchFamily="34" charset="0"/>
-                <a:cs typeface="Arial" panose="020B0604020202020204" pitchFamily="34" charset="0"/>
-              </a:defRPr>
-            </a:lvl1pPr>
-            <a:lvl2pPr marL="742950" indent="-285750" eaLnBrk="0" hangingPunct="0">
-              <a:defRPr>
-                <a:solidFill>
-                  <a:schemeClr val="tx1"/>
-                </a:solidFill>
-                <a:latin typeface="Arial" panose="020B0604020202020204" pitchFamily="34" charset="0"/>
-                <a:cs typeface="Arial" panose="020B0604020202020204" pitchFamily="34" charset="0"/>
-              </a:defRPr>
-            </a:lvl2pPr>
-            <a:lvl3pPr marL="1143000" indent="-228600" eaLnBrk="0" hangingPunct="0">
-              <a:defRPr>
-                <a:solidFill>
-                  <a:schemeClr val="tx1"/>
-                </a:solidFill>
-                <a:latin typeface="Arial" panose="020B0604020202020204" pitchFamily="34" charset="0"/>
-                <a:cs typeface="Arial" panose="020B0604020202020204" pitchFamily="34" charset="0"/>
-              </a:defRPr>
-            </a:lvl3pPr>
-            <a:lvl4pPr marL="1600200" indent="-228600" eaLnBrk="0" hangingPunct="0">
-              <a:defRPr>
-                <a:solidFill>
-                  <a:schemeClr val="tx1"/>
-                </a:solidFill>
-                <a:latin typeface="Arial" panose="020B0604020202020204" pitchFamily="34" charset="0"/>
-                <a:cs typeface="Arial" panose="020B0604020202020204" pitchFamily="34" charset="0"/>
-              </a:defRPr>
-            </a:lvl4pPr>
-            <a:lvl5pPr marL="2057400" indent="-228600" eaLnBrk="0" hangingPunct="0">
-              <a:defRPr>
-                <a:solidFill>
-                  <a:schemeClr val="tx1"/>
-                </a:solidFill>
-                <a:latin typeface="Arial" panose="020B0604020202020204" pitchFamily="34" charset="0"/>
-                <a:cs typeface="Arial" panose="020B0604020202020204" pitchFamily="34" charset="0"/>
-              </a:defRPr>
-            </a:lvl5pPr>
-            <a:lvl6pPr marL="2514600" indent="-228600" defTabSz="457200" eaLnBrk="0" fontAlgn="base" hangingPunct="0">
-              <a:spcBef>
-                <a:spcPct val="0"/>
-              </a:spcBef>
-              <a:spcAft>
-                <a:spcPct val="0"/>
-              </a:spcAft>
-              <a:defRPr>
-                <a:solidFill>
-                  <a:schemeClr val="tx1"/>
-                </a:solidFill>
-                <a:latin typeface="Arial" panose="020B0604020202020204" pitchFamily="34" charset="0"/>
-                <a:cs typeface="Arial" panose="020B0604020202020204" pitchFamily="34" charset="0"/>
-              </a:defRPr>
-            </a:lvl6pPr>
-            <a:lvl7pPr marL="2971800" indent="-228600" defTabSz="457200" eaLnBrk="0" fontAlgn="base" hangingPunct="0">
-              <a:spcBef>
-                <a:spcPct val="0"/>
-              </a:spcBef>
-              <a:spcAft>
-                <a:spcPct val="0"/>
-              </a:spcAft>
-              <a:defRPr>
-                <a:solidFill>
-                  <a:schemeClr val="tx1"/>
-                </a:solidFill>
-                <a:latin typeface="Arial" panose="020B0604020202020204" pitchFamily="34" charset="0"/>
-                <a:cs typeface="Arial" panose="020B0604020202020204" pitchFamily="34" charset="0"/>
-              </a:defRPr>
-            </a:lvl7pPr>
-            <a:lvl8pPr marL="3429000" indent="-228600" defTabSz="457200" eaLnBrk="0" fontAlgn="base" hangingPunct="0">
-              <a:spcBef>
-                <a:spcPct val="0"/>
-              </a:spcBef>
-              <a:spcAft>
-                <a:spcPct val="0"/>
-              </a:spcAft>
-              <a:defRPr>
-                <a:solidFill>
-                  <a:schemeClr val="tx1"/>
-                </a:solidFill>
-                <a:latin typeface="Arial" panose="020B0604020202020204" pitchFamily="34" charset="0"/>
-                <a:cs typeface="Arial" panose="020B0604020202020204" pitchFamily="34" charset="0"/>
-              </a:defRPr>
-            </a:lvl8pPr>
-            <a:lvl9pPr marL="3886200" indent="-228600" defTabSz="457200" eaLnBrk="0" fontAlgn="base" hangingPunct="0">
-              <a:spcBef>
-                <a:spcPct val="0"/>
-              </a:spcBef>
-              <a:spcAft>
-                <a:spcPct val="0"/>
-              </a:spcAft>
-              <a:defRPr>
-                <a:solidFill>
-                  <a:schemeClr val="tx1"/>
-                </a:solidFill>
-                <a:latin typeface="Arial" panose="020B0604020202020204" pitchFamily="34" charset="0"/>
-                <a:cs typeface="Arial" panose="020B0604020202020204" pitchFamily="34" charset="0"/>
-              </a:defRPr>
-            </a:lvl9pPr>
-          </a:lstStyle>
-          <a:p>
-            <a:pPr eaLnBrk="1" hangingPunct="1"/>
-            <a:endParaRPr lang="en-US" altLang="en-US">
-              <a:latin typeface="Calibri" panose="020F0502020204030204" pitchFamily="34" charset="0"/>
-            </a:endParaRPr>
           </a:p>
         </p:txBody>
       </p:sp>
@@ -7327,7 +7700,7 @@
       </p:grpSpPr>
       <p:sp>
         <p:nvSpPr>
-          <p:cNvPr id="4098" name="Title 1"/>
+          <p:cNvPr id="6146" name="Title 1"/>
           <p:cNvSpPr>
             <a:spLocks noGrp="1"/>
           </p:cNvSpPr>
@@ -7335,7 +7708,12 @@
             <p:ph type="title"/>
           </p:nvPr>
         </p:nvSpPr>
-        <p:spPr/>
+        <p:spPr>
+          <a:xfrm>
+            <a:off x="609600" y="381000"/>
+            <a:ext cx="10515600" cy="760413"/>
+          </a:xfrm>
+        </p:spPr>
         <p:txBody>
           <a:bodyPr/>
           <a:lstStyle/>
@@ -7349,160 +7727,38 @@
                 <a:latin typeface="Times New Roman" panose="02020603050405020304" pitchFamily="18" charset="0"/>
                 <a:cs typeface="Times New Roman" panose="02020603050405020304" pitchFamily="18" charset="0"/>
               </a:rPr>
-              <a:t>Abstract</a:t>
+              <a:t>Problem Description</a:t>
             </a:r>
           </a:p>
         </p:txBody>
       </p:sp>
       <p:sp>
         <p:nvSpPr>
-          <p:cNvPr id="4100" name="Google Shape;110;p16"/>
-          <p:cNvSpPr txBox="1">
-            <a:spLocks/>
-          </p:cNvSpPr>
+          <p:cNvPr id="6" name="TextBox 5">
+            <a:extLst>
+              <a:ext uri="{FF2B5EF4-FFF2-40B4-BE49-F238E27FC236}">
+                <a16:creationId xmlns:a16="http://schemas.microsoft.com/office/drawing/2014/main" id="{59573CCA-92DA-0A1C-EE33-B4827E963C27}"/>
+              </a:ext>
+            </a:extLst>
+          </p:cNvPr>
+          <p:cNvSpPr txBox="1"/>
           <p:nvPr/>
         </p:nvSpPr>
-        <p:spPr bwMode="auto">
+        <p:spPr>
           <a:xfrm>
-            <a:off x="623392" y="1340768"/>
-            <a:ext cx="10515600" cy="4100512"/>
+            <a:off x="609600" y="1412776"/>
+            <a:ext cx="11089232" cy="4457952"/>
           </a:xfrm>
           <a:prstGeom prst="rect">
             <a:avLst/>
           </a:prstGeom>
           <a:noFill/>
-          <a:ln>
-            <a:noFill/>
-          </a:ln>
-          <a:extLst>
-            <a:ext uri="{909E8E84-426E-40DD-AFC4-6F175D3DCCD1}">
-              <a14:hiddenFill xmlns:a14="http://schemas.microsoft.com/office/drawing/2010/main">
-                <a:solidFill>
-                  <a:srgbClr val="FFFFFF"/>
-                </a:solidFill>
-              </a14:hiddenFill>
-            </a:ext>
-            <a:ext uri="{91240B29-F687-4F45-9708-019B960494DF}">
-              <a14:hiddenLine xmlns:a14="http://schemas.microsoft.com/office/drawing/2010/main" w="9525">
-                <a:solidFill>
-                  <a:srgbClr val="000000"/>
-                </a:solidFill>
-                <a:miter lim="800000"/>
-                <a:headEnd/>
-                <a:tailEnd/>
-              </a14:hiddenLine>
-            </a:ext>
-          </a:extLst>
         </p:spPr>
         <p:txBody>
-          <a:bodyPr lIns="91425" tIns="45700" rIns="91425" bIns="45700"/>
-          <a:lstStyle>
-            <a:lvl1pPr marL="228600" indent="-228600" eaLnBrk="0" hangingPunct="0">
-              <a:defRPr>
-                <a:solidFill>
-                  <a:schemeClr val="tx1"/>
-                </a:solidFill>
-                <a:latin typeface="Arial" panose="020B0604020202020204" pitchFamily="34" charset="0"/>
-                <a:cs typeface="Arial" panose="020B0604020202020204" pitchFamily="34" charset="0"/>
-              </a:defRPr>
-            </a:lvl1pPr>
-            <a:lvl2pPr marL="742950" indent="-285750" eaLnBrk="0" hangingPunct="0">
-              <a:defRPr>
-                <a:solidFill>
-                  <a:schemeClr val="tx1"/>
-                </a:solidFill>
-                <a:latin typeface="Arial" panose="020B0604020202020204" pitchFamily="34" charset="0"/>
-                <a:cs typeface="Arial" panose="020B0604020202020204" pitchFamily="34" charset="0"/>
-              </a:defRPr>
-            </a:lvl2pPr>
-            <a:lvl3pPr marL="1143000" indent="-228600" eaLnBrk="0" hangingPunct="0">
-              <a:defRPr>
-                <a:solidFill>
-                  <a:schemeClr val="tx1"/>
-                </a:solidFill>
-                <a:latin typeface="Arial" panose="020B0604020202020204" pitchFamily="34" charset="0"/>
-                <a:cs typeface="Arial" panose="020B0604020202020204" pitchFamily="34" charset="0"/>
-              </a:defRPr>
-            </a:lvl3pPr>
-            <a:lvl4pPr marL="1600200" indent="-228600" eaLnBrk="0" hangingPunct="0">
-              <a:defRPr>
-                <a:solidFill>
-                  <a:schemeClr val="tx1"/>
-                </a:solidFill>
-                <a:latin typeface="Arial" panose="020B0604020202020204" pitchFamily="34" charset="0"/>
-                <a:cs typeface="Arial" panose="020B0604020202020204" pitchFamily="34" charset="0"/>
-              </a:defRPr>
-            </a:lvl4pPr>
-            <a:lvl5pPr marL="2057400" indent="-228600" eaLnBrk="0" hangingPunct="0">
-              <a:defRPr>
-                <a:solidFill>
-                  <a:schemeClr val="tx1"/>
-                </a:solidFill>
-                <a:latin typeface="Arial" panose="020B0604020202020204" pitchFamily="34" charset="0"/>
-                <a:cs typeface="Arial" panose="020B0604020202020204" pitchFamily="34" charset="0"/>
-              </a:defRPr>
-            </a:lvl5pPr>
-            <a:lvl6pPr marL="2514600" indent="-228600" eaLnBrk="0" fontAlgn="base" hangingPunct="0">
-              <a:spcBef>
-                <a:spcPct val="0"/>
-              </a:spcBef>
-              <a:spcAft>
-                <a:spcPct val="0"/>
-              </a:spcAft>
-              <a:defRPr>
-                <a:solidFill>
-                  <a:schemeClr val="tx1"/>
-                </a:solidFill>
-                <a:latin typeface="Arial" panose="020B0604020202020204" pitchFamily="34" charset="0"/>
-                <a:cs typeface="Arial" panose="020B0604020202020204" pitchFamily="34" charset="0"/>
-              </a:defRPr>
-            </a:lvl6pPr>
-            <a:lvl7pPr marL="2971800" indent="-228600" eaLnBrk="0" fontAlgn="base" hangingPunct="0">
-              <a:spcBef>
-                <a:spcPct val="0"/>
-              </a:spcBef>
-              <a:spcAft>
-                <a:spcPct val="0"/>
-              </a:spcAft>
-              <a:defRPr>
-                <a:solidFill>
-                  <a:schemeClr val="tx1"/>
-                </a:solidFill>
-                <a:latin typeface="Arial" panose="020B0604020202020204" pitchFamily="34" charset="0"/>
-                <a:cs typeface="Arial" panose="020B0604020202020204" pitchFamily="34" charset="0"/>
-              </a:defRPr>
-            </a:lvl7pPr>
-            <a:lvl8pPr marL="3429000" indent="-228600" eaLnBrk="0" fontAlgn="base" hangingPunct="0">
-              <a:spcBef>
-                <a:spcPct val="0"/>
-              </a:spcBef>
-              <a:spcAft>
-                <a:spcPct val="0"/>
-              </a:spcAft>
-              <a:defRPr>
-                <a:solidFill>
-                  <a:schemeClr val="tx1"/>
-                </a:solidFill>
-                <a:latin typeface="Arial" panose="020B0604020202020204" pitchFamily="34" charset="0"/>
-                <a:cs typeface="Arial" panose="020B0604020202020204" pitchFamily="34" charset="0"/>
-              </a:defRPr>
-            </a:lvl8pPr>
-            <a:lvl9pPr marL="3886200" indent="-228600" eaLnBrk="0" fontAlgn="base" hangingPunct="0">
-              <a:spcBef>
-                <a:spcPct val="0"/>
-              </a:spcBef>
-              <a:spcAft>
-                <a:spcPct val="0"/>
-              </a:spcAft>
-              <a:defRPr>
-                <a:solidFill>
-                  <a:schemeClr val="tx1"/>
-                </a:solidFill>
-                <a:latin typeface="Arial" panose="020B0604020202020204" pitchFamily="34" charset="0"/>
-                <a:cs typeface="Arial" panose="020B0604020202020204" pitchFamily="34" charset="0"/>
-              </a:defRPr>
-            </a:lvl9pPr>
-          </a:lstStyle>
+          <a:bodyPr wrap="square">
+            <a:spAutoFit/>
+          </a:bodyPr>
+          <a:lstStyle/>
           <a:p>
             <a:pPr algn="just">
               <a:lnSpc>
@@ -7510,12 +7766,16 @@
               </a:lnSpc>
             </a:pPr>
             <a:r>
-              <a:rPr lang="en-GB" sz="2000" dirty="0">
-                <a:latin typeface="Times New Roman" panose="02020603050405020304" pitchFamily="18" charset="0"/>
-                <a:cs typeface="Times New Roman" panose="02020603050405020304" pitchFamily="18" charset="0"/>
-              </a:rPr>
-              <a:t>    				Modern programming environments are largely optimized for keyboard and mouse interaction, which creates accessibility challenges for developers with physical or motor disabilities. Although speech recognition and artificial intelligence have advanced significantly, their effective use in context-aware programming remains limited. This paper presents a voice-enabled, AI-based coding assistant that enables hands-free interaction within an integrated development environment. The system captures spoken commands, converts them into text using speech-to-text techniques, and interprets user intent using natural language processing. Based on the identified intent, programming actions such as code generation and modification are performed. Implemented as an extension for Visual Studio Code, the proposed solution enhances accessibility and supports inclusive software development practices.</a:t>
-            </a:r>
+              <a:rPr lang="en-US" sz="2400" dirty="0">
+                <a:latin typeface="Times New Roman" panose="02020603050405020304" pitchFamily="18" charset="0"/>
+                <a:cs typeface="Times New Roman" panose="02020603050405020304" pitchFamily="18" charset="0"/>
+              </a:rPr>
+              <a:t>Traditional software development is physically demanding and often inaccessible, creating a significant gap in developer efficiency and inclusivity. The reliance on intensive keyboard and mouse usage leads to Repetitive Strain Injuries (RSI) and excludes individuals with motor impairments. Furthermore, the constant context switching between input devices disrupts coding flow, while existing voice-coding alternatives often compromise user privacy and introduce latency through cloud dependency. This project addresses these critical issues by providing a fully offline, voice-controlled development environment.</a:t>
+            </a:r>
+            <a:endParaRPr lang="en-IN" sz="2400" dirty="0">
+              <a:latin typeface="Times New Roman" panose="02020603050405020304" pitchFamily="18" charset="0"/>
+              <a:cs typeface="Times New Roman" panose="02020603050405020304" pitchFamily="18" charset="0"/>
+            </a:endParaRPr>
           </a:p>
         </p:txBody>
       </p:sp>
@@ -7528,6 +7788,180 @@
 </file>
 
 <file path=ppt/slides/slide4.xml><?xml version="1.0" encoding="utf-8"?>
+<p:sld xmlns:a="http://schemas.openxmlformats.org/drawingml/2006/main" xmlns:r="http://schemas.openxmlformats.org/officeDocument/2006/relationships" xmlns:p="http://schemas.openxmlformats.org/presentationml/2006/main">
+  <p:cSld>
+    <p:spTree>
+      <p:nvGrpSpPr>
+        <p:cNvPr id="1" name="">
+          <a:extLst>
+            <a:ext uri="{FF2B5EF4-FFF2-40B4-BE49-F238E27FC236}">
+              <a16:creationId xmlns:a16="http://schemas.microsoft.com/office/drawing/2014/main" id="{C7DC9B5E-7E6C-345C-4275-891039B11FAD}"/>
+            </a:ext>
+          </a:extLst>
+        </p:cNvPr>
+        <p:cNvGrpSpPr/>
+        <p:nvPr/>
+      </p:nvGrpSpPr>
+      <p:grpSpPr>
+        <a:xfrm>
+          <a:off x="0" y="0"/>
+          <a:ext cx="0" cy="0"/>
+          <a:chOff x="0" y="0"/>
+          <a:chExt cx="0" cy="0"/>
+        </a:xfrm>
+      </p:grpSpPr>
+      <p:sp>
+        <p:nvSpPr>
+          <p:cNvPr id="6146" name="Title 1">
+            <a:extLst>
+              <a:ext uri="{FF2B5EF4-FFF2-40B4-BE49-F238E27FC236}">
+                <a16:creationId xmlns:a16="http://schemas.microsoft.com/office/drawing/2014/main" id="{F00A7B18-7B17-4C7F-DB24-71D9617C394F}"/>
+              </a:ext>
+            </a:extLst>
+          </p:cNvPr>
+          <p:cNvSpPr>
+            <a:spLocks noGrp="1"/>
+          </p:cNvSpPr>
+          <p:nvPr>
+            <p:ph type="title"/>
+          </p:nvPr>
+        </p:nvSpPr>
+        <p:spPr>
+          <a:xfrm>
+            <a:off x="609600" y="381000"/>
+            <a:ext cx="10515600" cy="760413"/>
+          </a:xfrm>
+        </p:spPr>
+        <p:txBody>
+          <a:bodyPr/>
+          <a:lstStyle/>
+          <a:p>
+            <a:pPr eaLnBrk="1" hangingPunct="1"/>
+            <a:r>
+              <a:rPr lang="en-IN" altLang="en-US" sz="4000" b="1" dirty="0">
+                <a:solidFill>
+                  <a:srgbClr val="FF0000"/>
+                </a:solidFill>
+                <a:latin typeface="Times New Roman" panose="02020603050405020304" pitchFamily="18" charset="0"/>
+                <a:cs typeface="Times New Roman" panose="02020603050405020304" pitchFamily="18" charset="0"/>
+              </a:rPr>
+              <a:t>Limitations of existing systems</a:t>
+            </a:r>
+          </a:p>
+        </p:txBody>
+      </p:sp>
+      <p:sp>
+        <p:nvSpPr>
+          <p:cNvPr id="6" name="TextBox 5">
+            <a:extLst>
+              <a:ext uri="{FF2B5EF4-FFF2-40B4-BE49-F238E27FC236}">
+                <a16:creationId xmlns:a16="http://schemas.microsoft.com/office/drawing/2014/main" id="{E35228D4-722D-A4AA-2455-A72F0EEF44D8}"/>
+              </a:ext>
+            </a:extLst>
+          </p:cNvPr>
+          <p:cNvSpPr txBox="1"/>
+          <p:nvPr/>
+        </p:nvSpPr>
+        <p:spPr>
+          <a:xfrm>
+            <a:off x="700826" y="1223107"/>
+            <a:ext cx="10333148" cy="4411785"/>
+          </a:xfrm>
+          <a:prstGeom prst="rect">
+            <a:avLst/>
+          </a:prstGeom>
+          <a:noFill/>
+        </p:spPr>
+        <p:txBody>
+          <a:bodyPr wrap="square">
+            <a:spAutoFit/>
+          </a:bodyPr>
+          <a:lstStyle/>
+          <a:p>
+            <a:pPr marL="342900" indent="-342900" algn="just">
+              <a:lnSpc>
+                <a:spcPct val="200000"/>
+              </a:lnSpc>
+              <a:buFont typeface="Arial" panose="020B0604020202020204" pitchFamily="34" charset="0"/>
+              <a:buChar char="•"/>
+            </a:pPr>
+            <a:r>
+              <a:rPr lang="en-US" sz="2400" b="1" dirty="0">
+                <a:latin typeface="Times New Roman" panose="02020603050405020304" pitchFamily="18" charset="0"/>
+                <a:cs typeface="Times New Roman" panose="02020603050405020304" pitchFamily="18" charset="0"/>
+              </a:rPr>
+              <a:t>Cloud Dependency</a:t>
+            </a:r>
+            <a:r>
+              <a:rPr lang="en-US" sz="2400" dirty="0">
+                <a:latin typeface="Times New Roman" panose="02020603050405020304" pitchFamily="18" charset="0"/>
+                <a:cs typeface="Times New Roman" panose="02020603050405020304" pitchFamily="18" charset="0"/>
+              </a:rPr>
+              <a:t>: Most modern tools require an internet connection to process voice commands, introducing latency in low-bandwidth environments.</a:t>
+            </a:r>
+          </a:p>
+          <a:p>
+            <a:pPr marL="342900" indent="-342900" algn="just">
+              <a:lnSpc>
+                <a:spcPct val="200000"/>
+              </a:lnSpc>
+              <a:buFont typeface="Arial" panose="020B0604020202020204" pitchFamily="34" charset="0"/>
+              <a:buChar char="•"/>
+            </a:pPr>
+            <a:r>
+              <a:rPr lang="en-US" sz="2400" b="1" dirty="0">
+                <a:latin typeface="Times New Roman" panose="02020603050405020304" pitchFamily="18" charset="0"/>
+                <a:cs typeface="Times New Roman" panose="02020603050405020304" pitchFamily="18" charset="0"/>
+              </a:rPr>
+              <a:t>High Cost</a:t>
+            </a:r>
+            <a:r>
+              <a:rPr lang="en-US" sz="2400" dirty="0">
+                <a:latin typeface="Times New Roman" panose="02020603050405020304" pitchFamily="18" charset="0"/>
+                <a:cs typeface="Times New Roman" panose="02020603050405020304" pitchFamily="18" charset="0"/>
+              </a:rPr>
+              <a:t>: Many advanced voice assistants operate on a subscription model, making them inaccessible to students or developers in developing regions.</a:t>
+            </a:r>
+          </a:p>
+          <a:p>
+            <a:pPr marL="342900" indent="-342900" algn="just">
+              <a:lnSpc>
+                <a:spcPct val="200000"/>
+              </a:lnSpc>
+              <a:buFont typeface="Arial" panose="020B0604020202020204" pitchFamily="34" charset="0"/>
+              <a:buChar char="•"/>
+            </a:pPr>
+            <a:r>
+              <a:rPr lang="en-US" sz="2400" b="1" dirty="0">
+                <a:latin typeface="Times New Roman" panose="02020603050405020304" pitchFamily="18" charset="0"/>
+                <a:cs typeface="Times New Roman" panose="02020603050405020304" pitchFamily="18" charset="0"/>
+              </a:rPr>
+              <a:t>Steep Learning Curve</a:t>
+            </a:r>
+            <a:r>
+              <a:rPr lang="en-US" sz="2400" dirty="0">
+                <a:latin typeface="Times New Roman" panose="02020603050405020304" pitchFamily="18" charset="0"/>
+                <a:cs typeface="Times New Roman" panose="02020603050405020304" pitchFamily="18" charset="0"/>
+              </a:rPr>
+              <a:t>: Some tools require memorizing complex phonetic alphabets or rigid command structures, reducing immediate usability.</a:t>
+            </a:r>
+          </a:p>
+        </p:txBody>
+      </p:sp>
+    </p:spTree>
+    <p:extLst>
+      <p:ext uri="{BB962C8B-B14F-4D97-AF65-F5344CB8AC3E}">
+        <p14:creationId xmlns:p14="http://schemas.microsoft.com/office/powerpoint/2010/main" val="2244919504"/>
+      </p:ext>
+    </p:extLst>
+  </p:cSld>
+  <p:clrMapOvr>
+    <a:masterClrMapping/>
+  </p:clrMapOvr>
+</p:sld>
+</file>
+
+<file path=ppt/slides/slide5.xml><?xml version="1.0" encoding="utf-8"?>
 <p:sld xmlns:a="http://schemas.openxmlformats.org/drawingml/2006/main" xmlns:r="http://schemas.openxmlformats.org/officeDocument/2006/relationships" xmlns:p="http://schemas.openxmlformats.org/presentationml/2006/main">
   <p:cSld>
     <p:spTree>
@@ -7778,7 +8212,7 @@
           <p:nvPr>
             <p:extLst>
               <p:ext uri="{D42A27DB-BD31-4B8C-83A1-F6EECF244321}">
-                <p14:modId xmlns:p14="http://schemas.microsoft.com/office/powerpoint/2010/main" val="2484028960"/>
+                <p14:modId xmlns:p14="http://schemas.microsoft.com/office/powerpoint/2010/main" val="2464605844"/>
               </p:ext>
             </p:extLst>
           </p:nvPr>
@@ -7823,7 +8257,7 @@
                   </a:extLst>
                 </a:gridCol>
               </a:tblGrid>
-              <a:tr h="245995">
+              <a:tr h="209457">
                 <a:tc>
                   <a:txBody>
                     <a:bodyPr/>
@@ -7873,7 +8307,7 @@
                           <a:latin typeface="Times New Roman" panose="02020603050405020304" pitchFamily="18" charset="0"/>
                           <a:cs typeface="Times New Roman" panose="02020603050405020304" pitchFamily="18" charset="0"/>
                         </a:rPr>
-                        <a:t>Year Published</a:t>
+                        <a:t> </a:t>
                       </a:r>
                     </a:p>
                   </a:txBody>
@@ -8291,12 +8725,18 @@
 </p:sld>
 </file>
 
-<file path=ppt/slides/slide5.xml><?xml version="1.0" encoding="utf-8"?>
+<file path=ppt/slides/slide6.xml><?xml version="1.0" encoding="utf-8"?>
 <p:sld xmlns:a="http://schemas.openxmlformats.org/drawingml/2006/main" xmlns:r="http://schemas.openxmlformats.org/officeDocument/2006/relationships" xmlns:p="http://schemas.openxmlformats.org/presentationml/2006/main">
   <p:cSld>
     <p:spTree>
       <p:nvGrpSpPr>
-        <p:cNvPr id="1" name=""/>
+        <p:cNvPr id="1" name="">
+          <a:extLst>
+            <a:ext uri="{FF2B5EF4-FFF2-40B4-BE49-F238E27FC236}">
+              <a16:creationId xmlns:a16="http://schemas.microsoft.com/office/drawing/2014/main" id="{B988ECBE-B7C2-8CA1-042F-85E96AD38314}"/>
+            </a:ext>
+          </a:extLst>
+        </p:cNvPr>
         <p:cNvGrpSpPr/>
         <p:nvPr/>
       </p:nvGrpSpPr>
@@ -8310,7 +8750,13 @@
       </p:grpSpPr>
       <p:sp>
         <p:nvSpPr>
-          <p:cNvPr id="6146" name="Title 1"/>
+          <p:cNvPr id="6146" name="Title 1">
+            <a:extLst>
+              <a:ext uri="{FF2B5EF4-FFF2-40B4-BE49-F238E27FC236}">
+                <a16:creationId xmlns:a16="http://schemas.microsoft.com/office/drawing/2014/main" id="{1154493C-4299-8AAE-7E9E-D64D2061E8A9}"/>
+              </a:ext>
+            </a:extLst>
+          </p:cNvPr>
           <p:cNvSpPr>
             <a:spLocks noGrp="1"/>
           </p:cNvSpPr>
@@ -8347,7 +8793,7 @@
           <p:cNvPr id="5" name="Picture 4">
             <a:extLst>
               <a:ext uri="{FF2B5EF4-FFF2-40B4-BE49-F238E27FC236}">
-                <a16:creationId xmlns:a16="http://schemas.microsoft.com/office/drawing/2014/main" id="{7B30B917-3513-66A9-84C0-AAFA313601B8}"/>
+                <a16:creationId xmlns:a16="http://schemas.microsoft.com/office/drawing/2014/main" id="{B5729469-7549-378E-3F57-CFC8D13E1C78}"/>
               </a:ext>
             </a:extLst>
           </p:cNvPr>
@@ -8380,6 +8826,11 @@
         </p:spPr>
       </p:pic>
     </p:spTree>
+    <p:extLst>
+      <p:ext uri="{BB962C8B-B14F-4D97-AF65-F5344CB8AC3E}">
+        <p14:creationId xmlns:p14="http://schemas.microsoft.com/office/powerpoint/2010/main" val="843739901"/>
+      </p:ext>
+    </p:extLst>
   </p:cSld>
   <p:clrMapOvr>
     <a:masterClrMapping/>
@@ -8387,12 +8838,18 @@
 </p:sld>
 </file>
 
-<file path=ppt/slides/slide6.xml><?xml version="1.0" encoding="utf-8"?>
+<file path=ppt/slides/slide7.xml><?xml version="1.0" encoding="utf-8"?>
 <p:sld xmlns:a="http://schemas.openxmlformats.org/drawingml/2006/main" xmlns:r="http://schemas.openxmlformats.org/officeDocument/2006/relationships" xmlns:p="http://schemas.openxmlformats.org/presentationml/2006/main">
   <p:cSld>
     <p:spTree>
       <p:nvGrpSpPr>
-        <p:cNvPr id="1" name=""/>
+        <p:cNvPr id="1" name="">
+          <a:extLst>
+            <a:ext uri="{FF2B5EF4-FFF2-40B4-BE49-F238E27FC236}">
+              <a16:creationId xmlns:a16="http://schemas.microsoft.com/office/drawing/2014/main" id="{054AC249-8393-7339-8D6F-C62BBE2DF973}"/>
+            </a:ext>
+          </a:extLst>
+        </p:cNvPr>
         <p:cNvGrpSpPr/>
         <p:nvPr/>
       </p:nvGrpSpPr>
@@ -8406,7 +8863,13 @@
       </p:grpSpPr>
       <p:sp>
         <p:nvSpPr>
-          <p:cNvPr id="6146" name="Title 1"/>
+          <p:cNvPr id="6146" name="Title 1">
+            <a:extLst>
+              <a:ext uri="{FF2B5EF4-FFF2-40B4-BE49-F238E27FC236}">
+                <a16:creationId xmlns:a16="http://schemas.microsoft.com/office/drawing/2014/main" id="{7E874B5B-99C3-5031-41CD-BB6980FE911A}"/>
+              </a:ext>
+            </a:extLst>
+          </p:cNvPr>
           <p:cNvSpPr>
             <a:spLocks noGrp="1"/>
           </p:cNvSpPr>
@@ -8433,36 +8896,20 @@
                 <a:latin typeface="Times New Roman" panose="02020603050405020304" pitchFamily="18" charset="0"/>
                 <a:cs typeface="Times New Roman" panose="02020603050405020304" pitchFamily="18" charset="0"/>
               </a:rPr>
-              <a:t>Architecture Diagram </a:t>
+              <a:t>Result and Analysis</a:t>
             </a:r>
           </a:p>
         </p:txBody>
       </p:sp>
       <p:sp>
         <p:nvSpPr>
-          <p:cNvPr id="4" name="Date Placeholder 3"/>
-          <p:cNvSpPr>
-            <a:spLocks noGrp="1"/>
-          </p:cNvSpPr>
-          <p:nvPr>
-            <p:ph type="dt" sz="quarter" idx="10"/>
-          </p:nvPr>
-        </p:nvSpPr>
-        <p:spPr/>
-        <p:txBody>
-          <a:bodyPr/>
-          <a:lstStyle/>
-          <a:p>
-            <a:pPr>
-              <a:defRPr/>
-            </a:pPr>
-            <a:endParaRPr lang="en-US"/>
-          </a:p>
-        </p:txBody>
-      </p:sp>
-      <p:sp>
-        <p:nvSpPr>
-          <p:cNvPr id="6148" name="Google Shape;110;p16"/>
+          <p:cNvPr id="6148" name="Google Shape;110;p16">
+            <a:extLst>
+              <a:ext uri="{FF2B5EF4-FFF2-40B4-BE49-F238E27FC236}">
+                <a16:creationId xmlns:a16="http://schemas.microsoft.com/office/drawing/2014/main" id="{0ECD3E96-0105-992A-C68B-D85337FBB5FC}"/>
+              </a:ext>
+            </a:extLst>
+          </p:cNvPr>
           <p:cNvSpPr txBox="1">
             <a:spLocks/>
           </p:cNvSpPr>
@@ -8470,8 +8917,8 @@
         </p:nvSpPr>
         <p:spPr bwMode="auto">
           <a:xfrm>
-            <a:off x="511932" y="1340768"/>
-            <a:ext cx="11168136" cy="4497288"/>
+            <a:off x="535546" y="1124744"/>
+            <a:ext cx="11120907" cy="4752430"/>
           </a:xfrm>
           <a:prstGeom prst="rect">
             <a:avLst/>
@@ -8610,108 +9057,184 @@
             </a:lvl9pPr>
           </a:lstStyle>
           <a:p>
-            <a:pPr algn="just">
+            <a:pPr marL="457200" indent="-457200">
               <a:lnSpc>
                 <a:spcPct val="150000"/>
               </a:lnSpc>
-            </a:pPr>
-            <a:r>
-              <a:rPr lang="en-GB" sz="2000" b="1" dirty="0">
-                <a:latin typeface="Times New Roman" panose="02020603050405020304" pitchFamily="18" charset="0"/>
-                <a:cs typeface="Times New Roman" panose="02020603050405020304" pitchFamily="18" charset="0"/>
-              </a:rPr>
-              <a:t>1. User Voice Command Input: </a:t>
-            </a:r>
-            <a:r>
-              <a:rPr lang="en-GB" sz="2000" dirty="0">
-                <a:latin typeface="Times New Roman" panose="02020603050405020304" pitchFamily="18" charset="0"/>
-                <a:cs typeface="Times New Roman" panose="02020603050405020304" pitchFamily="18" charset="0"/>
-              </a:rPr>
-              <a:t>Developer speaks a programming command into the system.</a:t>
-            </a:r>
-          </a:p>
-          <a:p>
-            <a:pPr algn="just">
+              <a:buFont typeface="+mj-lt"/>
+              <a:buAutoNum type="arabicPeriod"/>
+            </a:pPr>
+            <a:r>
+              <a:rPr lang="en-US" sz="2400" b="1" dirty="0">
+                <a:latin typeface="Times New Roman" panose="02020603050405020304" pitchFamily="18" charset="0"/>
+                <a:cs typeface="Times New Roman" panose="02020603050405020304" pitchFamily="18" charset="0"/>
+              </a:rPr>
+              <a:t>Performance &amp; Capabilities</a:t>
+            </a:r>
+            <a:endParaRPr lang="en-US" sz="2400" dirty="0">
+              <a:latin typeface="Times New Roman" panose="02020603050405020304" pitchFamily="18" charset="0"/>
+              <a:cs typeface="Times New Roman" panose="02020603050405020304" pitchFamily="18" charset="0"/>
+            </a:endParaRPr>
+          </a:p>
+          <a:p>
+            <a:pPr marL="457200" indent="-457200">
               <a:lnSpc>
                 <a:spcPct val="150000"/>
               </a:lnSpc>
-            </a:pPr>
-            <a:r>
-              <a:rPr lang="en-GB" sz="2000" b="1" dirty="0">
-                <a:latin typeface="Times New Roman" panose="02020603050405020304" pitchFamily="18" charset="0"/>
-                <a:cs typeface="Times New Roman" panose="02020603050405020304" pitchFamily="18" charset="0"/>
-              </a:rPr>
-              <a:t>2. Audio Capture &amp; Preprocessing</a:t>
-            </a:r>
-            <a:r>
-              <a:rPr lang="en-GB" sz="2000" dirty="0">
-                <a:latin typeface="Times New Roman" panose="02020603050405020304" pitchFamily="18" charset="0"/>
-                <a:cs typeface="Times New Roman" panose="02020603050405020304" pitchFamily="18" charset="0"/>
-              </a:rPr>
-              <a:t>: Microphone captures audio and prepares it for processing (removes noise, normalizes volume).</a:t>
-            </a:r>
-          </a:p>
-          <a:p>
-            <a:pPr algn="just">
+              <a:buFont typeface="+mj-lt"/>
+              <a:buAutoNum type="arabicPeriod"/>
+            </a:pPr>
+            <a:r>
+              <a:rPr lang="en-US" sz="2400" b="1" dirty="0">
+                <a:latin typeface="Times New Roman" panose="02020603050405020304" pitchFamily="18" charset="0"/>
+                <a:cs typeface="Times New Roman" panose="02020603050405020304" pitchFamily="18" charset="0"/>
+              </a:rPr>
+              <a:t>Latency</a:t>
+            </a:r>
+            <a:r>
+              <a:rPr lang="en-US" sz="2400" dirty="0">
+                <a:latin typeface="Times New Roman" panose="02020603050405020304" pitchFamily="18" charset="0"/>
+                <a:cs typeface="Times New Roman" panose="02020603050405020304" pitchFamily="18" charset="0"/>
+              </a:rPr>
+              <a:t>: Fast execution due to local speech processing (no network round-trip).</a:t>
+            </a:r>
+          </a:p>
+          <a:p>
+            <a:pPr marL="457200" indent="-457200">
               <a:lnSpc>
                 <a:spcPct val="150000"/>
               </a:lnSpc>
-            </a:pPr>
-            <a:r>
-              <a:rPr lang="en-GB" sz="2000" b="1" dirty="0">
-                <a:latin typeface="Times New Roman" panose="02020603050405020304" pitchFamily="18" charset="0"/>
-                <a:cs typeface="Times New Roman" panose="02020603050405020304" pitchFamily="18" charset="0"/>
-              </a:rPr>
-              <a:t>3. Speech-to-Text Conversion</a:t>
-            </a:r>
-            <a:r>
-              <a:rPr lang="en-GB" sz="2000" dirty="0">
-                <a:latin typeface="Times New Roman" panose="02020603050405020304" pitchFamily="18" charset="0"/>
-                <a:cs typeface="Times New Roman" panose="02020603050405020304" pitchFamily="18" charset="0"/>
-              </a:rPr>
-              <a:t>: Converts spoken words into textual representation using speech recognition.</a:t>
-            </a:r>
-          </a:p>
-          <a:p>
-            <a:pPr algn="just">
+              <a:buFont typeface="+mj-lt"/>
+              <a:buAutoNum type="arabicPeriod"/>
+            </a:pPr>
+            <a:r>
+              <a:rPr lang="en-US" sz="2400" b="1" dirty="0">
+                <a:latin typeface="Times New Roman" panose="02020603050405020304" pitchFamily="18" charset="0"/>
+                <a:cs typeface="Times New Roman" panose="02020603050405020304" pitchFamily="18" charset="0"/>
+              </a:rPr>
+              <a:t>Accuracy</a:t>
+            </a:r>
+            <a:r>
+              <a:rPr lang="en-US" sz="2400" dirty="0">
+                <a:latin typeface="Times New Roman" panose="02020603050405020304" pitchFamily="18" charset="0"/>
+                <a:cs typeface="Times New Roman" panose="02020603050405020304" pitchFamily="18" charset="0"/>
+              </a:rPr>
+              <a:t>: High accuracy for structured commands due to specific keyword targeting and regex patterns.</a:t>
+            </a:r>
+          </a:p>
+          <a:p>
+            <a:pPr marL="457200" indent="-457200">
               <a:lnSpc>
                 <a:spcPct val="150000"/>
               </a:lnSpc>
-            </a:pPr>
-            <a:r>
-              <a:rPr lang="en-GB" sz="2000" b="1" dirty="0">
-                <a:latin typeface="Times New Roman" panose="02020603050405020304" pitchFamily="18" charset="0"/>
-                <a:cs typeface="Times New Roman" panose="02020603050405020304" pitchFamily="18" charset="0"/>
-              </a:rPr>
-              <a:t>4. Text Normalization &amp; Validation</a:t>
-            </a:r>
-            <a:r>
-              <a:rPr lang="en-GB" sz="2000" dirty="0">
-                <a:latin typeface="Times New Roman" panose="02020603050405020304" pitchFamily="18" charset="0"/>
-                <a:cs typeface="Times New Roman" panose="02020603050405020304" pitchFamily="18" charset="0"/>
-              </a:rPr>
-              <a:t>: Cleans the text (fixes errors, checks syntax) for accurate understanding.</a:t>
-            </a:r>
-          </a:p>
-          <a:p>
-            <a:pPr algn="just">
+              <a:buFont typeface="+mj-lt"/>
+              <a:buAutoNum type="arabicPeriod"/>
+            </a:pPr>
+            <a:r>
+              <a:rPr lang="en-US" sz="2400" b="1" dirty="0">
+                <a:latin typeface="Times New Roman" panose="02020603050405020304" pitchFamily="18" charset="0"/>
+                <a:cs typeface="Times New Roman" panose="02020603050405020304" pitchFamily="18" charset="0"/>
+              </a:rPr>
+              <a:t>Supported Actions</a:t>
+            </a:r>
+            <a:r>
+              <a:rPr lang="en-US" sz="2400" dirty="0">
+                <a:latin typeface="Times New Roman" panose="02020603050405020304" pitchFamily="18" charset="0"/>
+                <a:cs typeface="Times New Roman" panose="02020603050405020304" pitchFamily="18" charset="0"/>
+              </a:rPr>
+              <a:t>:</a:t>
+            </a:r>
+          </a:p>
+          <a:p>
+            <a:pPr marL="800100" lvl="1" indent="-342900">
               <a:lnSpc>
                 <a:spcPct val="150000"/>
               </a:lnSpc>
-            </a:pPr>
-            <a:r>
-              <a:rPr lang="en-GB" sz="2000" b="1" dirty="0">
-                <a:latin typeface="Times New Roman" panose="02020603050405020304" pitchFamily="18" charset="0"/>
-                <a:cs typeface="Times New Roman" panose="02020603050405020304" pitchFamily="18" charset="0"/>
-              </a:rPr>
-              <a:t>5. Intent Detection &amp; Natural Language Understanding</a:t>
-            </a:r>
-            <a:r>
-              <a:rPr lang="en-GB" sz="2000" dirty="0">
-                <a:latin typeface="Times New Roman" panose="02020603050405020304" pitchFamily="18" charset="0"/>
-                <a:cs typeface="Times New Roman" panose="02020603050405020304" pitchFamily="18" charset="0"/>
-              </a:rPr>
-              <a:t>: AI interprets the programming command’s intent (e.g., create function, insert loop).</a:t>
+              <a:buFont typeface="Arial" panose="020B0604020202020204" pitchFamily="34" charset="0"/>
+              <a:buChar char="•"/>
+            </a:pPr>
+            <a:r>
+              <a:rPr lang="en-US" sz="2400" b="1" dirty="0">
+                <a:latin typeface="Times New Roman" panose="02020603050405020304" pitchFamily="18" charset="0"/>
+                <a:cs typeface="Times New Roman" panose="02020603050405020304" pitchFamily="18" charset="0"/>
+              </a:rPr>
+              <a:t>Navigation</a:t>
+            </a:r>
+            <a:r>
+              <a:rPr lang="en-US" sz="2400" dirty="0">
+                <a:latin typeface="Times New Roman" panose="02020603050405020304" pitchFamily="18" charset="0"/>
+                <a:cs typeface="Times New Roman" panose="02020603050405020304" pitchFamily="18" charset="0"/>
+              </a:rPr>
+              <a:t>: Jump to specific lines ("Line 50"), Top/Bottom of file.</a:t>
+            </a:r>
+          </a:p>
+          <a:p>
+            <a:pPr marL="800100" lvl="1" indent="-342900">
+              <a:lnSpc>
+                <a:spcPct val="150000"/>
+              </a:lnSpc>
+              <a:buFont typeface="Arial" panose="020B0604020202020204" pitchFamily="34" charset="0"/>
+              <a:buChar char="•"/>
+            </a:pPr>
+            <a:r>
+              <a:rPr lang="en-US" sz="2400" b="1" dirty="0">
+                <a:latin typeface="Times New Roman" panose="02020603050405020304" pitchFamily="18" charset="0"/>
+                <a:cs typeface="Times New Roman" panose="02020603050405020304" pitchFamily="18" charset="0"/>
+              </a:rPr>
+              <a:t>Editing</a:t>
+            </a:r>
+            <a:r>
+              <a:rPr lang="en-US" sz="2400" dirty="0">
+                <a:latin typeface="Times New Roman" panose="02020603050405020304" pitchFamily="18" charset="0"/>
+                <a:cs typeface="Times New Roman" panose="02020603050405020304" pitchFamily="18" charset="0"/>
+              </a:rPr>
+              <a:t>: Delete lines, duplicate lines, comment/uncomment code.</a:t>
+            </a:r>
+          </a:p>
+          <a:p>
+            <a:pPr marL="800100" lvl="1" indent="-342900">
+              <a:lnSpc>
+                <a:spcPct val="150000"/>
+              </a:lnSpc>
+              <a:buFont typeface="Arial" panose="020B0604020202020204" pitchFamily="34" charset="0"/>
+              <a:buChar char="•"/>
+            </a:pPr>
+            <a:r>
+              <a:rPr lang="en-US" sz="2400" b="1" dirty="0">
+                <a:latin typeface="Times New Roman" panose="02020603050405020304" pitchFamily="18" charset="0"/>
+                <a:cs typeface="Times New Roman" panose="02020603050405020304" pitchFamily="18" charset="0"/>
+              </a:rPr>
+              <a:t>Generation</a:t>
+            </a:r>
+            <a:r>
+              <a:rPr lang="en-US" sz="2400" dirty="0">
+                <a:latin typeface="Times New Roman" panose="02020603050405020304" pitchFamily="18" charset="0"/>
+                <a:cs typeface="Times New Roman" panose="02020603050405020304" pitchFamily="18" charset="0"/>
+              </a:rPr>
+              <a:t>: Create boilerplate for loops (for, while), functions, and classes.</a:t>
+            </a:r>
+          </a:p>
+          <a:p>
+            <a:pPr marL="800100" lvl="1" indent="-342900">
+              <a:lnSpc>
+                <a:spcPct val="150000"/>
+              </a:lnSpc>
+              <a:buFont typeface="Arial" panose="020B0604020202020204" pitchFamily="34" charset="0"/>
+              <a:buChar char="•"/>
+            </a:pPr>
+            <a:r>
+              <a:rPr lang="en-US" sz="2400" b="1" dirty="0">
+                <a:latin typeface="Times New Roman" panose="02020603050405020304" pitchFamily="18" charset="0"/>
+                <a:cs typeface="Times New Roman" panose="02020603050405020304" pitchFamily="18" charset="0"/>
+              </a:rPr>
+              <a:t>Control</a:t>
+            </a:r>
+            <a:r>
+              <a:rPr lang="en-US" sz="2400" dirty="0">
+                <a:latin typeface="Times New Roman" panose="02020603050405020304" pitchFamily="18" charset="0"/>
+                <a:cs typeface="Times New Roman" panose="02020603050405020304" pitchFamily="18" charset="0"/>
+              </a:rPr>
+              <a:t>: Run code, undo/redo, stop listening.</a:t>
             </a:r>
           </a:p>
         </p:txBody>
@@ -8719,7 +9242,7 @@
     </p:spTree>
     <p:extLst>
       <p:ext uri="{BB962C8B-B14F-4D97-AF65-F5344CB8AC3E}">
-        <p14:creationId xmlns:p14="http://schemas.microsoft.com/office/powerpoint/2010/main" val="1454004519"/>
+        <p14:creationId xmlns:p14="http://schemas.microsoft.com/office/powerpoint/2010/main" val="2239512538"/>
       </p:ext>
     </p:extLst>
   </p:cSld>
@@ -8729,12 +9252,18 @@
 </p:sld>
 </file>
 
-<file path=ppt/slides/slide7.xml><?xml version="1.0" encoding="utf-8"?>
+<file path=ppt/slides/slide8.xml><?xml version="1.0" encoding="utf-8"?>
 <p:sld xmlns:a="http://schemas.openxmlformats.org/drawingml/2006/main" xmlns:r="http://schemas.openxmlformats.org/officeDocument/2006/relationships" xmlns:p="http://schemas.openxmlformats.org/presentationml/2006/main">
   <p:cSld>
     <p:spTree>
       <p:nvGrpSpPr>
-        <p:cNvPr id="1" name=""/>
+        <p:cNvPr id="1" name="">
+          <a:extLst>
+            <a:ext uri="{FF2B5EF4-FFF2-40B4-BE49-F238E27FC236}">
+              <a16:creationId xmlns:a16="http://schemas.microsoft.com/office/drawing/2014/main" id="{C5CE7637-9B68-6009-FE56-86D7145A6B91}"/>
+            </a:ext>
+          </a:extLst>
+        </p:cNvPr>
         <p:cNvGrpSpPr/>
         <p:nvPr/>
       </p:nvGrpSpPr>
@@ -8748,7 +9277,13 @@
       </p:grpSpPr>
       <p:sp>
         <p:nvSpPr>
-          <p:cNvPr id="6146" name="Title 1"/>
+          <p:cNvPr id="6146" name="Title 1">
+            <a:extLst>
+              <a:ext uri="{FF2B5EF4-FFF2-40B4-BE49-F238E27FC236}">
+                <a16:creationId xmlns:a16="http://schemas.microsoft.com/office/drawing/2014/main" id="{7F181CB0-C512-F348-C3CA-5B9F10522A47}"/>
+              </a:ext>
+            </a:extLst>
+          </p:cNvPr>
           <p:cNvSpPr>
             <a:spLocks noGrp="1"/>
           </p:cNvSpPr>
@@ -8775,325 +9310,113 @@
                 <a:latin typeface="Times New Roman" panose="02020603050405020304" pitchFamily="18" charset="0"/>
                 <a:cs typeface="Times New Roman" panose="02020603050405020304" pitchFamily="18" charset="0"/>
               </a:rPr>
-              <a:t>Architecture Diagram </a:t>
+              <a:t>Claims</a:t>
             </a:r>
           </a:p>
         </p:txBody>
       </p:sp>
       <p:sp>
         <p:nvSpPr>
-          <p:cNvPr id="6148" name="Google Shape;110;p16"/>
-          <p:cNvSpPr txBox="1">
-            <a:spLocks/>
-          </p:cNvSpPr>
+          <p:cNvPr id="6" name="TextBox 5">
+            <a:extLst>
+              <a:ext uri="{FF2B5EF4-FFF2-40B4-BE49-F238E27FC236}">
+                <a16:creationId xmlns:a16="http://schemas.microsoft.com/office/drawing/2014/main" id="{CCDDC849-A2A3-8D0B-5D35-9AD453769055}"/>
+              </a:ext>
+            </a:extLst>
+          </p:cNvPr>
+          <p:cNvSpPr txBox="1"/>
           <p:nvPr/>
         </p:nvSpPr>
-        <p:spPr bwMode="auto">
+        <p:spPr>
           <a:xfrm>
-            <a:off x="535546" y="1372666"/>
-            <a:ext cx="11120907" cy="4752430"/>
+            <a:off x="436476" y="1200024"/>
+            <a:ext cx="11319048" cy="4457952"/>
           </a:xfrm>
           <a:prstGeom prst="rect">
             <a:avLst/>
           </a:prstGeom>
           <a:noFill/>
-          <a:ln>
-            <a:noFill/>
-          </a:ln>
-          <a:extLst>
-            <a:ext uri="{909E8E84-426E-40DD-AFC4-6F175D3DCCD1}">
-              <a14:hiddenFill xmlns:a14="http://schemas.microsoft.com/office/drawing/2010/main">
-                <a:solidFill>
-                  <a:srgbClr val="FFFFFF"/>
-                </a:solidFill>
-              </a14:hiddenFill>
-            </a:ext>
-            <a:ext uri="{91240B29-F687-4F45-9708-019B960494DF}">
-              <a14:hiddenLine xmlns:a14="http://schemas.microsoft.com/office/drawing/2010/main" w="9525">
-                <a:solidFill>
-                  <a:srgbClr val="000000"/>
-                </a:solidFill>
-                <a:miter lim="800000"/>
-                <a:headEnd/>
-                <a:tailEnd/>
-              </a14:hiddenLine>
-            </a:ext>
-          </a:extLst>
         </p:spPr>
         <p:txBody>
-          <a:bodyPr lIns="91425" tIns="45700" rIns="91425" bIns="45700"/>
-          <a:lstStyle>
-            <a:lvl1pPr marL="228600" indent="-228600" eaLnBrk="0" hangingPunct="0">
-              <a:defRPr>
-                <a:solidFill>
-                  <a:schemeClr val="tx1"/>
-                </a:solidFill>
-                <a:latin typeface="Arial" panose="020B0604020202020204" pitchFamily="34" charset="0"/>
-                <a:cs typeface="Arial" panose="020B0604020202020204" pitchFamily="34" charset="0"/>
-              </a:defRPr>
-            </a:lvl1pPr>
-            <a:lvl2pPr marL="742950" indent="-285750" eaLnBrk="0" hangingPunct="0">
-              <a:defRPr>
-                <a:solidFill>
-                  <a:schemeClr val="tx1"/>
-                </a:solidFill>
-                <a:latin typeface="Arial" panose="020B0604020202020204" pitchFamily="34" charset="0"/>
-                <a:cs typeface="Arial" panose="020B0604020202020204" pitchFamily="34" charset="0"/>
-              </a:defRPr>
-            </a:lvl2pPr>
-            <a:lvl3pPr marL="1143000" indent="-228600" eaLnBrk="0" hangingPunct="0">
-              <a:defRPr>
-                <a:solidFill>
-                  <a:schemeClr val="tx1"/>
-                </a:solidFill>
-                <a:latin typeface="Arial" panose="020B0604020202020204" pitchFamily="34" charset="0"/>
-                <a:cs typeface="Arial" panose="020B0604020202020204" pitchFamily="34" charset="0"/>
-              </a:defRPr>
-            </a:lvl3pPr>
-            <a:lvl4pPr marL="1600200" indent="-228600" eaLnBrk="0" hangingPunct="0">
-              <a:defRPr>
-                <a:solidFill>
-                  <a:schemeClr val="tx1"/>
-                </a:solidFill>
-                <a:latin typeface="Arial" panose="020B0604020202020204" pitchFamily="34" charset="0"/>
-                <a:cs typeface="Arial" panose="020B0604020202020204" pitchFamily="34" charset="0"/>
-              </a:defRPr>
-            </a:lvl4pPr>
-            <a:lvl5pPr marL="2057400" indent="-228600" eaLnBrk="0" hangingPunct="0">
-              <a:defRPr>
-                <a:solidFill>
-                  <a:schemeClr val="tx1"/>
-                </a:solidFill>
-                <a:latin typeface="Arial" panose="020B0604020202020204" pitchFamily="34" charset="0"/>
-                <a:cs typeface="Arial" panose="020B0604020202020204" pitchFamily="34" charset="0"/>
-              </a:defRPr>
-            </a:lvl5pPr>
-            <a:lvl6pPr marL="2514600" indent="-228600" eaLnBrk="0" fontAlgn="base" hangingPunct="0">
-              <a:spcBef>
-                <a:spcPct val="0"/>
-              </a:spcBef>
-              <a:spcAft>
-                <a:spcPct val="0"/>
-              </a:spcAft>
-              <a:defRPr>
-                <a:solidFill>
-                  <a:schemeClr val="tx1"/>
-                </a:solidFill>
-                <a:latin typeface="Arial" panose="020B0604020202020204" pitchFamily="34" charset="0"/>
-                <a:cs typeface="Arial" panose="020B0604020202020204" pitchFamily="34" charset="0"/>
-              </a:defRPr>
-            </a:lvl6pPr>
-            <a:lvl7pPr marL="2971800" indent="-228600" eaLnBrk="0" fontAlgn="base" hangingPunct="0">
-              <a:spcBef>
-                <a:spcPct val="0"/>
-              </a:spcBef>
-              <a:spcAft>
-                <a:spcPct val="0"/>
-              </a:spcAft>
-              <a:defRPr>
-                <a:solidFill>
-                  <a:schemeClr val="tx1"/>
-                </a:solidFill>
-                <a:latin typeface="Arial" panose="020B0604020202020204" pitchFamily="34" charset="0"/>
-                <a:cs typeface="Arial" panose="020B0604020202020204" pitchFamily="34" charset="0"/>
-              </a:defRPr>
-            </a:lvl7pPr>
-            <a:lvl8pPr marL="3429000" indent="-228600" eaLnBrk="0" fontAlgn="base" hangingPunct="0">
-              <a:spcBef>
-                <a:spcPct val="0"/>
-              </a:spcBef>
-              <a:spcAft>
-                <a:spcPct val="0"/>
-              </a:spcAft>
-              <a:defRPr>
-                <a:solidFill>
-                  <a:schemeClr val="tx1"/>
-                </a:solidFill>
-                <a:latin typeface="Arial" panose="020B0604020202020204" pitchFamily="34" charset="0"/>
-                <a:cs typeface="Arial" panose="020B0604020202020204" pitchFamily="34" charset="0"/>
-              </a:defRPr>
-            </a:lvl8pPr>
-            <a:lvl9pPr marL="3886200" indent="-228600" eaLnBrk="0" fontAlgn="base" hangingPunct="0">
-              <a:spcBef>
-                <a:spcPct val="0"/>
-              </a:spcBef>
-              <a:spcAft>
-                <a:spcPct val="0"/>
-              </a:spcAft>
-              <a:defRPr>
-                <a:solidFill>
-                  <a:schemeClr val="tx1"/>
-                </a:solidFill>
-                <a:latin typeface="Arial" panose="020B0604020202020204" pitchFamily="34" charset="0"/>
-                <a:cs typeface="Arial" panose="020B0604020202020204" pitchFamily="34" charset="0"/>
-              </a:defRPr>
-            </a:lvl9pPr>
-          </a:lstStyle>
-          <a:p>
-            <a:pPr marL="182880" algn="just">
+          <a:bodyPr wrap="square">
+            <a:spAutoFit/>
+          </a:bodyPr>
+          <a:lstStyle/>
+          <a:p>
+            <a:pPr marL="342900" indent="-342900" algn="just">
               <a:lnSpc>
                 <a:spcPct val="150000"/>
               </a:lnSpc>
-              <a:spcBef>
-                <a:spcPts val="0"/>
-              </a:spcBef>
-            </a:pPr>
-            <a:r>
-              <a:rPr lang="en-GB" sz="2000" b="1" dirty="0">
-                <a:latin typeface="Times New Roman" panose="02020603050405020304" pitchFamily="18" charset="0"/>
-                <a:cs typeface="Times New Roman" panose="02020603050405020304" pitchFamily="18" charset="0"/>
-              </a:rPr>
-              <a:t>6. Context &amp; Language Identification</a:t>
-            </a:r>
-            <a:r>
-              <a:rPr lang="en-GB" sz="2000" dirty="0">
-                <a:latin typeface="Times New Roman" panose="02020603050405020304" pitchFamily="18" charset="0"/>
-                <a:cs typeface="Times New Roman" panose="02020603050405020304" pitchFamily="18" charset="0"/>
-              </a:rPr>
-              <a:t>: System identifies the programming language (Python, Java) and current IDE context (variables, functions).</a:t>
-            </a:r>
-            <a:endParaRPr lang="en-GB" sz="2000" b="1" dirty="0">
-              <a:latin typeface="Times New Roman" panose="02020603050405020304" pitchFamily="18" charset="0"/>
-              <a:cs typeface="Times New Roman" panose="02020603050405020304" pitchFamily="18" charset="0"/>
-            </a:endParaRPr>
-          </a:p>
-          <a:p>
-            <a:pPr marL="182880" algn="just">
+              <a:buFont typeface="Arial" panose="020B0604020202020204" pitchFamily="34" charset="0"/>
+              <a:buChar char="•"/>
+            </a:pPr>
+            <a:r>
+              <a:rPr lang="en-US" sz="2400" b="1" dirty="0">
+                <a:latin typeface="Times New Roman" panose="02020603050405020304" pitchFamily="18" charset="0"/>
+                <a:cs typeface="Times New Roman" panose="02020603050405020304" pitchFamily="18" charset="0"/>
+              </a:rPr>
+              <a:t>A voice-controlled programming assistant system</a:t>
+            </a:r>
+            <a:r>
+              <a:rPr lang="en-US" sz="2400" dirty="0">
+                <a:latin typeface="Times New Roman" panose="02020603050405020304" pitchFamily="18" charset="0"/>
+                <a:cs typeface="Times New Roman" panose="02020603050405020304" pitchFamily="18" charset="0"/>
+              </a:rPr>
+              <a:t>, comprising a speech recognition engine, a natural language understanding backend, and an integrated development environment (IDE) extension, configured to convert spoken language into executable editing commands without external network dependency.</a:t>
+            </a:r>
+          </a:p>
+          <a:p>
+            <a:pPr marL="342900" indent="-342900" algn="just">
               <a:lnSpc>
                 <a:spcPct val="150000"/>
               </a:lnSpc>
-              <a:spcBef>
-                <a:spcPts val="0"/>
-              </a:spcBef>
-            </a:pPr>
-            <a:r>
-              <a:rPr lang="en-GB" sz="2000" b="1" dirty="0">
-                <a:latin typeface="Times New Roman" panose="02020603050405020304" pitchFamily="18" charset="0"/>
-                <a:cs typeface="Times New Roman" panose="02020603050405020304" pitchFamily="18" charset="0"/>
-              </a:rPr>
-              <a:t>7. AI-Based Command Interpretation</a:t>
-            </a:r>
-            <a:r>
-              <a:rPr lang="en-GB" sz="2000" dirty="0">
-                <a:latin typeface="Times New Roman" panose="02020603050405020304" pitchFamily="18" charset="0"/>
-                <a:cs typeface="Times New Roman" panose="02020603050405020304" pitchFamily="18" charset="0"/>
-              </a:rPr>
-              <a:t>: Converts user intent into executable code or IDE actions.</a:t>
-            </a:r>
-          </a:p>
-          <a:p>
-            <a:pPr marL="182880" algn="just">
+              <a:buFont typeface="Arial" panose="020B0604020202020204" pitchFamily="34" charset="0"/>
+              <a:buChar char="•"/>
+            </a:pPr>
+            <a:r>
+              <a:rPr lang="en-US" sz="2400" b="1" dirty="0">
+                <a:latin typeface="Times New Roman" panose="02020603050405020304" pitchFamily="18" charset="0"/>
+                <a:cs typeface="Times New Roman" panose="02020603050405020304" pitchFamily="18" charset="0"/>
+              </a:rPr>
+              <a:t>The system as claimed in Claim 1</a:t>
+            </a:r>
+            <a:r>
+              <a:rPr lang="en-US" sz="2400" dirty="0">
+                <a:latin typeface="Times New Roman" panose="02020603050405020304" pitchFamily="18" charset="0"/>
+                <a:cs typeface="Times New Roman" panose="02020603050405020304" pitchFamily="18" charset="0"/>
+              </a:rPr>
+              <a:t>, wherein the speech recognition engine operates entirely offline using a lightweight model to ensure user privacy and zero data leakage.</a:t>
+            </a:r>
+          </a:p>
+          <a:p>
+            <a:pPr marL="342900" indent="-342900" algn="just">
               <a:lnSpc>
                 <a:spcPct val="150000"/>
               </a:lnSpc>
-              <a:spcBef>
-                <a:spcPts val="0"/>
-              </a:spcBef>
-            </a:pPr>
-            <a:r>
-              <a:rPr lang="en-GB" sz="2000" b="1" dirty="0">
-                <a:latin typeface="Times New Roman" panose="02020603050405020304" pitchFamily="18" charset="0"/>
-                <a:cs typeface="Times New Roman" panose="02020603050405020304" pitchFamily="18" charset="0"/>
-              </a:rPr>
-              <a:t>8. Integrated into Visual Studio Code IDE</a:t>
-            </a:r>
-            <a:r>
-              <a:rPr lang="en-GB" sz="2000" dirty="0">
-                <a:latin typeface="Times New Roman" panose="02020603050405020304" pitchFamily="18" charset="0"/>
-                <a:cs typeface="Times New Roman" panose="02020603050405020304" pitchFamily="18" charset="0"/>
-              </a:rPr>
-              <a:t>: System directly interacts with IDE to insert, edit, or compile code.</a:t>
-            </a:r>
-          </a:p>
-          <a:p>
-            <a:pPr marL="182880" algn="just">
-              <a:lnSpc>
-                <a:spcPct val="150000"/>
-              </a:lnSpc>
-              <a:spcBef>
-                <a:spcPts val="0"/>
-              </a:spcBef>
-            </a:pPr>
-            <a:r>
-              <a:rPr lang="en-GB" sz="2000" b="1" dirty="0">
-                <a:latin typeface="Times New Roman" panose="02020603050405020304" pitchFamily="18" charset="0"/>
-                <a:cs typeface="Times New Roman" panose="02020603050405020304" pitchFamily="18" charset="0"/>
-              </a:rPr>
-              <a:t>9. Real-Time Feedback</a:t>
-            </a:r>
-            <a:r>
-              <a:rPr lang="en-GB" sz="2000" dirty="0">
-                <a:latin typeface="Times New Roman" panose="02020603050405020304" pitchFamily="18" charset="0"/>
-                <a:cs typeface="Times New Roman" panose="02020603050405020304" pitchFamily="18" charset="0"/>
-              </a:rPr>
-              <a:t>: Provides confirmation, error messages, or suggestions to the user.</a:t>
-            </a:r>
-          </a:p>
-          <a:p>
-            <a:pPr marL="182880" algn="just">
-              <a:lnSpc>
-                <a:spcPct val="150000"/>
-              </a:lnSpc>
-              <a:spcBef>
-                <a:spcPts val="0"/>
-              </a:spcBef>
-            </a:pPr>
-            <a:r>
-              <a:rPr lang="en-GB" sz="2000" b="1" dirty="0">
-                <a:latin typeface="Times New Roman" panose="02020603050405020304" pitchFamily="18" charset="0"/>
-                <a:cs typeface="Times New Roman" panose="02020603050405020304" pitchFamily="18" charset="0"/>
-              </a:rPr>
-              <a:t>10. Continuous Interaction Loop</a:t>
-            </a:r>
-            <a:r>
-              <a:rPr lang="en-GB" sz="2000" dirty="0">
-                <a:latin typeface="Times New Roman" panose="02020603050405020304" pitchFamily="18" charset="0"/>
-                <a:cs typeface="Times New Roman" panose="02020603050405020304" pitchFamily="18" charset="0"/>
-              </a:rPr>
-              <a:t>: Supports ongoing voice commands and iterative coding, maintaining context.</a:t>
-            </a:r>
-          </a:p>
-          <a:p>
-            <a:pPr marL="182880" algn="just">
-              <a:lnSpc>
-                <a:spcPct val="150000"/>
-              </a:lnSpc>
-              <a:spcBef>
-                <a:spcPts val="0"/>
-              </a:spcBef>
-            </a:pPr>
-            <a:r>
-              <a:rPr lang="en-GB" sz="2000" b="1" dirty="0">
-                <a:latin typeface="Times New Roman" panose="02020603050405020304" pitchFamily="18" charset="0"/>
-                <a:cs typeface="Times New Roman" panose="02020603050405020304" pitchFamily="18" charset="0"/>
-              </a:rPr>
-              <a:t>11. Output to IDE</a:t>
-            </a:r>
-            <a:r>
-              <a:rPr lang="en-GB" sz="2000" dirty="0">
-                <a:latin typeface="Times New Roman" panose="02020603050405020304" pitchFamily="18" charset="0"/>
-                <a:cs typeface="Times New Roman" panose="02020603050405020304" pitchFamily="18" charset="0"/>
-              </a:rPr>
-              <a:t>: Final code or action appears in the IDE as requested.</a:t>
-            </a:r>
-          </a:p>
-          <a:p>
-            <a:pPr algn="just">
-              <a:lnSpc>
-                <a:spcPct val="150000"/>
-              </a:lnSpc>
-            </a:pPr>
-            <a:endParaRPr lang="en-GB" sz="2000" dirty="0">
-              <a:latin typeface="Times New Roman" panose="02020603050405020304" pitchFamily="18" charset="0"/>
-              <a:cs typeface="Times New Roman" panose="02020603050405020304" pitchFamily="18" charset="0"/>
-            </a:endParaRPr>
+              <a:buFont typeface="Arial" panose="020B0604020202020204" pitchFamily="34" charset="0"/>
+              <a:buChar char="•"/>
+            </a:pPr>
+            <a:r>
+              <a:rPr lang="en-US" sz="2400" b="1" dirty="0">
+                <a:latin typeface="Times New Roman" panose="02020603050405020304" pitchFamily="18" charset="0"/>
+                <a:cs typeface="Times New Roman" panose="02020603050405020304" pitchFamily="18" charset="0"/>
+              </a:rPr>
+              <a:t>The system as claimed in Claim 1</a:t>
+            </a:r>
+            <a:r>
+              <a:rPr lang="en-US" sz="2400" dirty="0">
+                <a:latin typeface="Times New Roman" panose="02020603050405020304" pitchFamily="18" charset="0"/>
+                <a:cs typeface="Times New Roman" panose="02020603050405020304" pitchFamily="18" charset="0"/>
+              </a:rPr>
+              <a:t>, wherein the IDE extension captures real-time editor context, including cursor position and active language, to optimize command accuracy.</a:t>
+            </a:r>
           </a:p>
         </p:txBody>
       </p:sp>
     </p:spTree>
     <p:extLst>
       <p:ext uri="{BB962C8B-B14F-4D97-AF65-F5344CB8AC3E}">
-        <p14:creationId xmlns:p14="http://schemas.microsoft.com/office/powerpoint/2010/main" val="2611240751"/>
+        <p14:creationId xmlns:p14="http://schemas.microsoft.com/office/powerpoint/2010/main" val="2085466409"/>
       </p:ext>
     </p:extLst>
   </p:cSld>
@@ -9103,12 +9426,18 @@
 </p:sld>
 </file>
 
-<file path=ppt/slides/slide8.xml><?xml version="1.0" encoding="utf-8"?>
+<file path=ppt/slides/slide9.xml><?xml version="1.0" encoding="utf-8"?>
 <p:sld xmlns:a="http://schemas.openxmlformats.org/drawingml/2006/main" xmlns:r="http://schemas.openxmlformats.org/officeDocument/2006/relationships" xmlns:p="http://schemas.openxmlformats.org/presentationml/2006/main">
   <p:cSld>
     <p:spTree>
       <p:nvGrpSpPr>
-        <p:cNvPr id="1" name=""/>
+        <p:cNvPr id="1" name="">
+          <a:extLst>
+            <a:ext uri="{FF2B5EF4-FFF2-40B4-BE49-F238E27FC236}">
+              <a16:creationId xmlns:a16="http://schemas.microsoft.com/office/drawing/2014/main" id="{A3A1A37E-E241-A525-0D33-D69EBFB3F7C2}"/>
+            </a:ext>
+          </a:extLst>
+        </p:cNvPr>
         <p:cNvGrpSpPr/>
         <p:nvPr/>
       </p:nvGrpSpPr>
@@ -9122,7 +9451,13 @@
       </p:grpSpPr>
       <p:sp>
         <p:nvSpPr>
-          <p:cNvPr id="8194" name="Title 1"/>
+          <p:cNvPr id="6146" name="Title 1">
+            <a:extLst>
+              <a:ext uri="{FF2B5EF4-FFF2-40B4-BE49-F238E27FC236}">
+                <a16:creationId xmlns:a16="http://schemas.microsoft.com/office/drawing/2014/main" id="{E1413E0C-6BAA-EA00-A160-D97EBBB47215}"/>
+              </a:ext>
+            </a:extLst>
+          </p:cNvPr>
           <p:cNvSpPr>
             <a:spLocks noGrp="1"/>
           </p:cNvSpPr>
@@ -9142,568 +9477,130 @@
           <a:p>
             <a:pPr eaLnBrk="1" hangingPunct="1"/>
             <a:r>
-              <a:rPr lang="en-US" altLang="en-US" sz="4000" b="1" dirty="0">
+              <a:rPr lang="en-IN" altLang="en-US" sz="4000" b="1" dirty="0">
                 <a:solidFill>
                   <a:srgbClr val="FF0000"/>
                 </a:solidFill>
                 <a:latin typeface="Times New Roman" panose="02020603050405020304" pitchFamily="18" charset="0"/>
                 <a:cs typeface="Times New Roman" panose="02020603050405020304" pitchFamily="18" charset="0"/>
               </a:rPr>
-              <a:t>Detailed description of the drawings </a:t>
-            </a:r>
-            <a:endParaRPr lang="en-IN" altLang="en-US" sz="4000" b="1" dirty="0">
-              <a:solidFill>
-                <a:srgbClr val="FF0000"/>
-              </a:solidFill>
-              <a:latin typeface="Times New Roman" panose="02020603050405020304" pitchFamily="18" charset="0"/>
-              <a:cs typeface="Times New Roman" panose="02020603050405020304" pitchFamily="18" charset="0"/>
-            </a:endParaRPr>
-          </a:p>
-        </p:txBody>
-      </p:sp>
-      <p:pic>
-        <p:nvPicPr>
-          <p:cNvPr id="5" name="Picture 4">
-            <a:extLst>
-              <a:ext uri="{FF2B5EF4-FFF2-40B4-BE49-F238E27FC236}">
-                <a16:creationId xmlns:a16="http://schemas.microsoft.com/office/drawing/2014/main" id="{A51D48DA-22A6-832B-B7BD-71015901F7F7}"/>
-              </a:ext>
-            </a:extLst>
-          </p:cNvPr>
-          <p:cNvPicPr>
-            <a:picLocks noChangeAspect="1"/>
-          </p:cNvPicPr>
-          <p:nvPr/>
-        </p:nvPicPr>
-        <p:blipFill>
-          <a:blip r:embed="rId2"/>
-          <a:stretch>
-            <a:fillRect/>
-          </a:stretch>
-        </p:blipFill>
-        <p:spPr>
-          <a:xfrm>
-            <a:off x="2246410" y="1141413"/>
-            <a:ext cx="7241979" cy="4933324"/>
-          </a:xfrm>
-          <a:prstGeom prst="rect">
-            <a:avLst/>
-          </a:prstGeom>
-        </p:spPr>
-      </p:pic>
-    </p:spTree>
-  </p:cSld>
-  <p:clrMapOvr>
-    <a:masterClrMapping/>
-  </p:clrMapOvr>
-</p:sld>
-</file>
-
-<file path=ppt/slides/slide9.xml><?xml version="1.0" encoding="utf-8"?>
-<p:sld xmlns:a="http://schemas.openxmlformats.org/drawingml/2006/main" xmlns:r="http://schemas.openxmlformats.org/officeDocument/2006/relationships" xmlns:p="http://schemas.openxmlformats.org/presentationml/2006/main">
-  <p:cSld>
-    <p:spTree>
-      <p:nvGrpSpPr>
-        <p:cNvPr id="1" name=""/>
-        <p:cNvGrpSpPr/>
-        <p:nvPr/>
-      </p:nvGrpSpPr>
-      <p:grpSpPr>
-        <a:xfrm>
-          <a:off x="0" y="0"/>
-          <a:ext cx="0" cy="0"/>
-          <a:chOff x="0" y="0"/>
-          <a:chExt cx="0" cy="0"/>
-        </a:xfrm>
-      </p:grpSpPr>
-      <p:sp>
-        <p:nvSpPr>
-          <p:cNvPr id="8194" name="Title 1"/>
-          <p:cNvSpPr>
-            <a:spLocks noGrp="1"/>
-          </p:cNvSpPr>
-          <p:nvPr>
-            <p:ph type="title"/>
-          </p:nvPr>
-        </p:nvSpPr>
-        <p:spPr>
-          <a:xfrm>
-            <a:off x="609600" y="381000"/>
-            <a:ext cx="10515600" cy="760413"/>
-          </a:xfrm>
-        </p:spPr>
-        <p:txBody>
-          <a:bodyPr/>
-          <a:lstStyle/>
-          <a:p>
-            <a:pPr eaLnBrk="1" hangingPunct="1"/>
-            <a:r>
-              <a:rPr lang="en-US" altLang="en-US" sz="4000" b="1" dirty="0">
-                <a:solidFill>
-                  <a:srgbClr val="FF0000"/>
-                </a:solidFill>
-                <a:latin typeface="Times New Roman" panose="02020603050405020304" pitchFamily="18" charset="0"/>
-                <a:cs typeface="Times New Roman" panose="02020603050405020304" pitchFamily="18" charset="0"/>
-              </a:rPr>
-              <a:t>Detailed description of the drawings </a:t>
-            </a:r>
-            <a:endParaRPr lang="en-IN" altLang="en-US" sz="4000" b="1" dirty="0">
-              <a:solidFill>
-                <a:srgbClr val="FF0000"/>
-              </a:solidFill>
-              <a:latin typeface="Times New Roman" panose="02020603050405020304" pitchFamily="18" charset="0"/>
-              <a:cs typeface="Times New Roman" panose="02020603050405020304" pitchFamily="18" charset="0"/>
-            </a:endParaRPr>
+              <a:t>Claims</a:t>
+            </a:r>
           </a:p>
         </p:txBody>
       </p:sp>
       <p:sp>
         <p:nvSpPr>
-          <p:cNvPr id="8196" name="Google Shape;110;p16"/>
-          <p:cNvSpPr txBox="1">
-            <a:spLocks/>
-          </p:cNvSpPr>
+          <p:cNvPr id="6" name="TextBox 5">
+            <a:extLst>
+              <a:ext uri="{FF2B5EF4-FFF2-40B4-BE49-F238E27FC236}">
+                <a16:creationId xmlns:a16="http://schemas.microsoft.com/office/drawing/2014/main" id="{06B6734B-A539-748D-C2E0-AE6BC48F77B8}"/>
+              </a:ext>
+            </a:extLst>
+          </p:cNvPr>
+          <p:cNvSpPr txBox="1"/>
           <p:nvPr/>
         </p:nvSpPr>
-        <p:spPr bwMode="auto">
+        <p:spPr>
           <a:xfrm>
-            <a:off x="767408" y="1052736"/>
-            <a:ext cx="10972800" cy="4419600"/>
+            <a:off x="609600" y="1340768"/>
+            <a:ext cx="10646651" cy="5011949"/>
           </a:xfrm>
           <a:prstGeom prst="rect">
             <a:avLst/>
           </a:prstGeom>
           <a:noFill/>
-          <a:ln>
-            <a:noFill/>
-          </a:ln>
-          <a:extLst>
-            <a:ext uri="{909E8E84-426E-40DD-AFC4-6F175D3DCCD1}">
-              <a14:hiddenFill xmlns:a14="http://schemas.microsoft.com/office/drawing/2010/main">
-                <a:solidFill>
-                  <a:srgbClr val="FFFFFF"/>
-                </a:solidFill>
-              </a14:hiddenFill>
-            </a:ext>
-            <a:ext uri="{91240B29-F687-4F45-9708-019B960494DF}">
-              <a14:hiddenLine xmlns:a14="http://schemas.microsoft.com/office/drawing/2010/main" w="9525">
-                <a:solidFill>
-                  <a:srgbClr val="000000"/>
-                </a:solidFill>
-                <a:miter lim="800000"/>
-                <a:headEnd/>
-                <a:tailEnd/>
-              </a14:hiddenLine>
-            </a:ext>
-          </a:extLst>
         </p:spPr>
         <p:txBody>
-          <a:bodyPr lIns="91425" tIns="45700" rIns="91425" bIns="45700"/>
-          <a:lstStyle>
-            <a:lvl1pPr marL="228600" indent="-228600" eaLnBrk="0" hangingPunct="0">
-              <a:defRPr>
-                <a:solidFill>
-                  <a:schemeClr val="tx1"/>
-                </a:solidFill>
-                <a:latin typeface="Arial" panose="020B0604020202020204" pitchFamily="34" charset="0"/>
-                <a:cs typeface="Arial" panose="020B0604020202020204" pitchFamily="34" charset="0"/>
-              </a:defRPr>
-            </a:lvl1pPr>
-            <a:lvl2pPr marL="742950" indent="-285750" eaLnBrk="0" hangingPunct="0">
-              <a:defRPr>
-                <a:solidFill>
-                  <a:schemeClr val="tx1"/>
-                </a:solidFill>
-                <a:latin typeface="Arial" panose="020B0604020202020204" pitchFamily="34" charset="0"/>
-                <a:cs typeface="Arial" panose="020B0604020202020204" pitchFamily="34" charset="0"/>
-              </a:defRPr>
-            </a:lvl2pPr>
-            <a:lvl3pPr marL="1143000" indent="-228600" eaLnBrk="0" hangingPunct="0">
-              <a:defRPr>
-                <a:solidFill>
-                  <a:schemeClr val="tx1"/>
-                </a:solidFill>
-                <a:latin typeface="Arial" panose="020B0604020202020204" pitchFamily="34" charset="0"/>
-                <a:cs typeface="Arial" panose="020B0604020202020204" pitchFamily="34" charset="0"/>
-              </a:defRPr>
-            </a:lvl3pPr>
-            <a:lvl4pPr marL="1600200" indent="-228600" eaLnBrk="0" hangingPunct="0">
-              <a:defRPr>
-                <a:solidFill>
-                  <a:schemeClr val="tx1"/>
-                </a:solidFill>
-                <a:latin typeface="Arial" panose="020B0604020202020204" pitchFamily="34" charset="0"/>
-                <a:cs typeface="Arial" panose="020B0604020202020204" pitchFamily="34" charset="0"/>
-              </a:defRPr>
-            </a:lvl4pPr>
-            <a:lvl5pPr marL="2057400" indent="-228600" eaLnBrk="0" hangingPunct="0">
-              <a:defRPr>
-                <a:solidFill>
-                  <a:schemeClr val="tx1"/>
-                </a:solidFill>
-                <a:latin typeface="Arial" panose="020B0604020202020204" pitchFamily="34" charset="0"/>
-                <a:cs typeface="Arial" panose="020B0604020202020204" pitchFamily="34" charset="0"/>
-              </a:defRPr>
-            </a:lvl5pPr>
-            <a:lvl6pPr marL="2514600" indent="-228600" eaLnBrk="0" fontAlgn="base" hangingPunct="0">
-              <a:spcBef>
-                <a:spcPct val="0"/>
-              </a:spcBef>
-              <a:spcAft>
-                <a:spcPct val="0"/>
-              </a:spcAft>
-              <a:defRPr>
-                <a:solidFill>
-                  <a:schemeClr val="tx1"/>
-                </a:solidFill>
-                <a:latin typeface="Arial" panose="020B0604020202020204" pitchFamily="34" charset="0"/>
-                <a:cs typeface="Arial" panose="020B0604020202020204" pitchFamily="34" charset="0"/>
-              </a:defRPr>
-            </a:lvl6pPr>
-            <a:lvl7pPr marL="2971800" indent="-228600" eaLnBrk="0" fontAlgn="base" hangingPunct="0">
-              <a:spcBef>
-                <a:spcPct val="0"/>
-              </a:spcBef>
-              <a:spcAft>
-                <a:spcPct val="0"/>
-              </a:spcAft>
-              <a:defRPr>
-                <a:solidFill>
-                  <a:schemeClr val="tx1"/>
-                </a:solidFill>
-                <a:latin typeface="Arial" panose="020B0604020202020204" pitchFamily="34" charset="0"/>
-                <a:cs typeface="Arial" panose="020B0604020202020204" pitchFamily="34" charset="0"/>
-              </a:defRPr>
-            </a:lvl7pPr>
-            <a:lvl8pPr marL="3429000" indent="-228600" eaLnBrk="0" fontAlgn="base" hangingPunct="0">
-              <a:spcBef>
-                <a:spcPct val="0"/>
-              </a:spcBef>
-              <a:spcAft>
-                <a:spcPct val="0"/>
-              </a:spcAft>
-              <a:defRPr>
-                <a:solidFill>
-                  <a:schemeClr val="tx1"/>
-                </a:solidFill>
-                <a:latin typeface="Arial" panose="020B0604020202020204" pitchFamily="34" charset="0"/>
-                <a:cs typeface="Arial" panose="020B0604020202020204" pitchFamily="34" charset="0"/>
-              </a:defRPr>
-            </a:lvl8pPr>
-            <a:lvl9pPr marL="3886200" indent="-228600" eaLnBrk="0" fontAlgn="base" hangingPunct="0">
-              <a:spcBef>
-                <a:spcPct val="0"/>
-              </a:spcBef>
-              <a:spcAft>
-                <a:spcPct val="0"/>
-              </a:spcAft>
-              <a:defRPr>
-                <a:solidFill>
-                  <a:schemeClr val="tx1"/>
-                </a:solidFill>
-                <a:latin typeface="Arial" panose="020B0604020202020204" pitchFamily="34" charset="0"/>
-                <a:cs typeface="Arial" panose="020B0604020202020204" pitchFamily="34" charset="0"/>
-              </a:defRPr>
-            </a:lvl9pPr>
-          </a:lstStyle>
-          <a:p>
-            <a:pPr algn="just">
+          <a:bodyPr wrap="square">
+            <a:spAutoFit/>
+          </a:bodyPr>
+          <a:lstStyle/>
+          <a:p>
+            <a:pPr marL="342900" indent="-342900" algn="just">
               <a:lnSpc>
                 <a:spcPct val="150000"/>
               </a:lnSpc>
-              <a:spcBef>
-                <a:spcPts val="0"/>
-              </a:spcBef>
-            </a:pPr>
-            <a:r>
-              <a:rPr lang="en-IN" sz="2000" b="1" dirty="0">
-                <a:latin typeface="Times New Roman" panose="02020603050405020304" pitchFamily="18" charset="0"/>
-                <a:cs typeface="Times New Roman" panose="02020603050405020304" pitchFamily="18" charset="0"/>
-              </a:rPr>
-              <a:t>1. Initiation &amp; Input</a:t>
-            </a:r>
-            <a:endParaRPr lang="en-IN" sz="2000" dirty="0">
+              <a:buFont typeface="Arial" panose="020B0604020202020204" pitchFamily="34" charset="0"/>
+              <a:buChar char="•"/>
+            </a:pPr>
+            <a:r>
+              <a:rPr lang="en-US" sz="2400" b="1" dirty="0">
+                <a:latin typeface="Times New Roman" panose="02020603050405020304" pitchFamily="18" charset="0"/>
+                <a:cs typeface="Times New Roman" panose="02020603050405020304" pitchFamily="18" charset="0"/>
+              </a:rPr>
+              <a:t>The system as claimed in Claim 1</a:t>
+            </a:r>
+            <a:r>
+              <a:rPr lang="en-US" sz="2400" dirty="0">
+                <a:latin typeface="Times New Roman" panose="02020603050405020304" pitchFamily="18" charset="0"/>
+                <a:cs typeface="Times New Roman" panose="02020603050405020304" pitchFamily="18" charset="0"/>
+              </a:rPr>
+              <a:t>, wherein the backend logic is decoupled from the frontend extension to enable platform-agnostic deployment across different editing environments.</a:t>
+            </a:r>
+          </a:p>
+          <a:p>
+            <a:pPr marL="342900" indent="-342900" algn="just">
+              <a:lnSpc>
+                <a:spcPct val="150000"/>
+              </a:lnSpc>
+              <a:buFont typeface="Arial" panose="020B0604020202020204" pitchFamily="34" charset="0"/>
+              <a:buChar char="•"/>
+            </a:pPr>
+            <a:r>
+              <a:rPr lang="en-US" sz="2400" b="1" dirty="0">
+                <a:latin typeface="Times New Roman" panose="02020603050405020304" pitchFamily="18" charset="0"/>
+                <a:cs typeface="Times New Roman" panose="02020603050405020304" pitchFamily="18" charset="0"/>
+              </a:rPr>
+              <a:t>The system as claimed in Claim 1</a:t>
+            </a:r>
+            <a:r>
+              <a:rPr lang="en-US" sz="2400" dirty="0">
+                <a:latin typeface="Times New Roman" panose="02020603050405020304" pitchFamily="18" charset="0"/>
+                <a:cs typeface="Times New Roman" panose="02020603050405020304" pitchFamily="18" charset="0"/>
+              </a:rPr>
+              <a:t>, further comprising a latency-optimized architecture that executes navigation and editing commands faster than traditional manual input methods.</a:t>
+            </a:r>
+          </a:p>
+          <a:p>
+            <a:pPr marL="342900" indent="-342900" algn="just">
+              <a:lnSpc>
+                <a:spcPct val="150000"/>
+              </a:lnSpc>
+              <a:buFont typeface="Arial" panose="020B0604020202020204" pitchFamily="34" charset="0"/>
+              <a:buChar char="•"/>
+            </a:pPr>
+            <a:r>
+              <a:rPr lang="en-US" sz="2400" b="1" dirty="0">
+                <a:latin typeface="Times New Roman" panose="02020603050405020304" pitchFamily="18" charset="0"/>
+                <a:cs typeface="Times New Roman" panose="02020603050405020304" pitchFamily="18" charset="0"/>
+              </a:rPr>
+              <a:t>The system as claimed in Claim 1</a:t>
+            </a:r>
+            <a:r>
+              <a:rPr lang="en-US" sz="2400" dirty="0">
+                <a:latin typeface="Times New Roman" panose="02020603050405020304" pitchFamily="18" charset="0"/>
+                <a:cs typeface="Times New Roman" panose="02020603050405020304" pitchFamily="18" charset="0"/>
+              </a:rPr>
+              <a:t>, designed as an assistive technology to reduce physical strain and enable efficient hands-free coding for all developers.</a:t>
+            </a:r>
+            <a:br>
+              <a:rPr lang="en-US" sz="2400" dirty="0">
+                <a:latin typeface="Times New Roman" panose="02020603050405020304" pitchFamily="18" charset="0"/>
+                <a:cs typeface="Times New Roman" panose="02020603050405020304" pitchFamily="18" charset="0"/>
+              </a:rPr>
+            </a:br>
+            <a:endParaRPr lang="en-IN" sz="2400" dirty="0">
               <a:latin typeface="Times New Roman" panose="02020603050405020304" pitchFamily="18" charset="0"/>
               <a:cs typeface="Times New Roman" panose="02020603050405020304" pitchFamily="18" charset="0"/>
             </a:endParaRPr>
-          </a:p>
-          <a:p>
-            <a:pPr marL="857250" lvl="1" indent="-342900" algn="just">
-              <a:lnSpc>
-                <a:spcPct val="150000"/>
-              </a:lnSpc>
-              <a:spcBef>
-                <a:spcPts val="0"/>
-              </a:spcBef>
-              <a:buFont typeface="Arial" panose="020B0604020202020204" pitchFamily="34" charset="0"/>
-              <a:buChar char="•"/>
-            </a:pPr>
-            <a:r>
-              <a:rPr lang="en-IN" sz="2000" b="1" dirty="0">
-                <a:latin typeface="Times New Roman" panose="02020603050405020304" pitchFamily="18" charset="0"/>
-                <a:cs typeface="Times New Roman" panose="02020603050405020304" pitchFamily="18" charset="0"/>
-              </a:rPr>
-              <a:t>Start – </a:t>
-            </a:r>
-            <a:r>
-              <a:rPr lang="en-IN" sz="2000" dirty="0">
-                <a:latin typeface="Times New Roman" panose="02020603050405020304" pitchFamily="18" charset="0"/>
-                <a:cs typeface="Times New Roman" panose="02020603050405020304" pitchFamily="18" charset="0"/>
-              </a:rPr>
-              <a:t>Activate Extension using Command palette</a:t>
-            </a:r>
-          </a:p>
-          <a:p>
-            <a:pPr marL="857250" lvl="1" indent="-342900" algn="just">
-              <a:lnSpc>
-                <a:spcPct val="150000"/>
-              </a:lnSpc>
-              <a:spcBef>
-                <a:spcPts val="0"/>
-              </a:spcBef>
-              <a:buFont typeface="Arial" panose="020B0604020202020204" pitchFamily="34" charset="0"/>
-              <a:buChar char="•"/>
-            </a:pPr>
-            <a:r>
-              <a:rPr lang="en-IN" sz="2000" b="1" dirty="0">
-                <a:latin typeface="Times New Roman" panose="02020603050405020304" pitchFamily="18" charset="0"/>
-                <a:cs typeface="Times New Roman" panose="02020603050405020304" pitchFamily="18" charset="0"/>
-              </a:rPr>
-              <a:t>User Speaks Command</a:t>
-            </a:r>
-            <a:r>
-              <a:rPr lang="en-IN" sz="2000" dirty="0">
-                <a:latin typeface="Times New Roman" panose="02020603050405020304" pitchFamily="18" charset="0"/>
-                <a:cs typeface="Times New Roman" panose="02020603050405020304" pitchFamily="18" charset="0"/>
-              </a:rPr>
-              <a:t> → e.g., </a:t>
-            </a:r>
-            <a:r>
-              <a:rPr lang="en-IN" sz="2000" i="1" dirty="0">
-                <a:latin typeface="Times New Roman" panose="02020603050405020304" pitchFamily="18" charset="0"/>
-                <a:cs typeface="Times New Roman" panose="02020603050405020304" pitchFamily="18" charset="0"/>
-              </a:rPr>
-              <a:t>“Create a function </a:t>
-            </a:r>
-            <a:r>
-              <a:rPr lang="en-IN" sz="2000" b="1" i="1" dirty="0">
-                <a:latin typeface="Times New Roman" panose="02020603050405020304" pitchFamily="18" charset="0"/>
-                <a:cs typeface="Times New Roman" panose="02020603050405020304" pitchFamily="18" charset="0"/>
-              </a:rPr>
-              <a:t>Factorial</a:t>
-            </a:r>
-            <a:r>
-              <a:rPr lang="en-IN" sz="2000" i="1" dirty="0">
-                <a:latin typeface="Times New Roman" panose="02020603050405020304" pitchFamily="18" charset="0"/>
-                <a:cs typeface="Times New Roman" panose="02020603050405020304" pitchFamily="18" charset="0"/>
-              </a:rPr>
-              <a:t>”</a:t>
-            </a:r>
-            <a:endParaRPr lang="en-IN" sz="2000" dirty="0">
-              <a:latin typeface="Times New Roman" panose="02020603050405020304" pitchFamily="18" charset="0"/>
-              <a:cs typeface="Times New Roman" panose="02020603050405020304" pitchFamily="18" charset="0"/>
-            </a:endParaRPr>
-          </a:p>
-          <a:p>
-            <a:pPr algn="just">
-              <a:lnSpc>
-                <a:spcPct val="150000"/>
-              </a:lnSpc>
-              <a:spcBef>
-                <a:spcPts val="0"/>
-              </a:spcBef>
-            </a:pPr>
-            <a:r>
-              <a:rPr lang="en-IN" sz="2000" b="1" dirty="0">
-                <a:latin typeface="Times New Roman" panose="02020603050405020304" pitchFamily="18" charset="0"/>
-                <a:cs typeface="Times New Roman" panose="02020603050405020304" pitchFamily="18" charset="0"/>
-              </a:rPr>
-              <a:t>2. STT Engine</a:t>
-            </a:r>
-          </a:p>
-          <a:p>
-            <a:pPr marL="857250" lvl="1" indent="-342900" algn="just">
-              <a:lnSpc>
-                <a:spcPct val="150000"/>
-              </a:lnSpc>
-              <a:spcBef>
-                <a:spcPts val="0"/>
-              </a:spcBef>
-              <a:buFont typeface="Arial" panose="020B0604020202020204" pitchFamily="34" charset="0"/>
-              <a:buChar char="•"/>
-            </a:pPr>
-            <a:r>
-              <a:rPr lang="en-IN" sz="2000" b="1" dirty="0">
-                <a:latin typeface="Times New Roman" panose="02020603050405020304" pitchFamily="18" charset="0"/>
-                <a:cs typeface="Times New Roman" panose="02020603050405020304" pitchFamily="18" charset="0"/>
-              </a:rPr>
-              <a:t>Speech-to-Text Conversion</a:t>
-            </a:r>
-            <a:r>
-              <a:rPr lang="en-IN" sz="2000" dirty="0">
-                <a:latin typeface="Times New Roman" panose="02020603050405020304" pitchFamily="18" charset="0"/>
-                <a:cs typeface="Times New Roman" panose="02020603050405020304" pitchFamily="18" charset="0"/>
-              </a:rPr>
-              <a:t> → Converts audio into text</a:t>
-            </a:r>
-          </a:p>
-          <a:p>
-            <a:pPr marL="857250" lvl="1" indent="-342900" algn="just">
-              <a:lnSpc>
-                <a:spcPct val="150000"/>
-              </a:lnSpc>
-              <a:spcBef>
-                <a:spcPts val="0"/>
-              </a:spcBef>
-              <a:buFont typeface="Arial" panose="020B0604020202020204" pitchFamily="34" charset="0"/>
-              <a:buChar char="•"/>
-            </a:pPr>
-            <a:r>
-              <a:rPr lang="en-IN" sz="2000" b="1" dirty="0">
-                <a:latin typeface="Times New Roman" panose="02020603050405020304" pitchFamily="18" charset="0"/>
-                <a:cs typeface="Times New Roman" panose="02020603050405020304" pitchFamily="18" charset="0"/>
-              </a:rPr>
-              <a:t>Intent Detection &amp; NLP</a:t>
-            </a:r>
-            <a:r>
-              <a:rPr lang="en-IN" sz="2000" dirty="0">
-                <a:latin typeface="Times New Roman" panose="02020603050405020304" pitchFamily="18" charset="0"/>
-                <a:cs typeface="Times New Roman" panose="02020603050405020304" pitchFamily="18" charset="0"/>
-              </a:rPr>
-              <a:t> → Determines programming intent and target action</a:t>
-            </a:r>
-          </a:p>
-          <a:p>
-            <a:pPr marL="857250" lvl="1" indent="-342900" algn="just">
-              <a:lnSpc>
-                <a:spcPct val="150000"/>
-              </a:lnSpc>
-              <a:spcBef>
-                <a:spcPts val="0"/>
-              </a:spcBef>
-              <a:buFont typeface="Arial" panose="020B0604020202020204" pitchFamily="34" charset="0"/>
-              <a:buChar char="•"/>
-            </a:pPr>
-            <a:r>
-              <a:rPr lang="en-IN" sz="2000" b="1" dirty="0">
-                <a:latin typeface="Times New Roman" panose="02020603050405020304" pitchFamily="18" charset="0"/>
-                <a:cs typeface="Times New Roman" panose="02020603050405020304" pitchFamily="18" charset="0"/>
-              </a:rPr>
-              <a:t>Command Interpretation</a:t>
-            </a:r>
-            <a:r>
-              <a:rPr lang="en-IN" sz="2000" dirty="0">
-                <a:latin typeface="Times New Roman" panose="02020603050405020304" pitchFamily="18" charset="0"/>
-                <a:cs typeface="Times New Roman" panose="02020603050405020304" pitchFamily="18" charset="0"/>
-              </a:rPr>
-              <a:t> → Generates the code snippet required</a:t>
-            </a:r>
-          </a:p>
-          <a:p>
-            <a:pPr algn="just">
-              <a:lnSpc>
-                <a:spcPct val="150000"/>
-              </a:lnSpc>
-              <a:spcBef>
-                <a:spcPts val="0"/>
-              </a:spcBef>
-            </a:pPr>
-            <a:r>
-              <a:rPr lang="en-IN" sz="2000" b="1" dirty="0">
-                <a:latin typeface="Times New Roman" panose="02020603050405020304" pitchFamily="18" charset="0"/>
-                <a:cs typeface="Times New Roman" panose="02020603050405020304" pitchFamily="18" charset="0"/>
-              </a:rPr>
-              <a:t>3. Execution &amp; Feedback</a:t>
-            </a:r>
-            <a:endParaRPr lang="en-IN" sz="2000" dirty="0">
-              <a:latin typeface="Times New Roman" panose="02020603050405020304" pitchFamily="18" charset="0"/>
-              <a:cs typeface="Times New Roman" panose="02020603050405020304" pitchFamily="18" charset="0"/>
-            </a:endParaRPr>
-          </a:p>
-          <a:p>
-            <a:pPr marL="857250" lvl="1" indent="-342900" algn="just">
-              <a:lnSpc>
-                <a:spcPct val="150000"/>
-              </a:lnSpc>
-              <a:spcBef>
-                <a:spcPts val="0"/>
-              </a:spcBef>
-              <a:buFont typeface="Arial" panose="020B0604020202020204" pitchFamily="34" charset="0"/>
-              <a:buChar char="•"/>
-            </a:pPr>
-            <a:r>
-              <a:rPr lang="en-IN" sz="2000" b="1" dirty="0">
-                <a:latin typeface="Times New Roman" panose="02020603050405020304" pitchFamily="18" charset="0"/>
-                <a:cs typeface="Times New Roman" panose="02020603050405020304" pitchFamily="18" charset="0"/>
-              </a:rPr>
-              <a:t>Execute Action in IDE</a:t>
-            </a:r>
-            <a:r>
-              <a:rPr lang="en-IN" sz="2000" dirty="0">
-                <a:latin typeface="Times New Roman" panose="02020603050405020304" pitchFamily="18" charset="0"/>
-                <a:cs typeface="Times New Roman" panose="02020603050405020304" pitchFamily="18" charset="0"/>
-              </a:rPr>
-              <a:t> → Inserts code into IDE (VS Code, IntelliJ)</a:t>
-            </a:r>
-          </a:p>
-          <a:p>
-            <a:pPr marL="857250" lvl="1" indent="-342900" algn="just">
-              <a:lnSpc>
-                <a:spcPct val="150000"/>
-              </a:lnSpc>
-              <a:spcBef>
-                <a:spcPts val="0"/>
-              </a:spcBef>
-              <a:buFont typeface="Arial" panose="020B0604020202020204" pitchFamily="34" charset="0"/>
-              <a:buChar char="•"/>
-            </a:pPr>
-            <a:r>
-              <a:rPr lang="en-IN" sz="2000" b="1" dirty="0">
-                <a:latin typeface="Times New Roman" panose="02020603050405020304" pitchFamily="18" charset="0"/>
-                <a:cs typeface="Times New Roman" panose="02020603050405020304" pitchFamily="18" charset="0"/>
-              </a:rPr>
-              <a:t>Continuous Interaction Loop</a:t>
-            </a:r>
-            <a:r>
-              <a:rPr lang="en-IN" sz="2000" dirty="0">
-                <a:latin typeface="Times New Roman" panose="02020603050405020304" pitchFamily="18" charset="0"/>
-                <a:cs typeface="Times New Roman" panose="02020603050405020304" pitchFamily="18" charset="0"/>
-              </a:rPr>
-              <a:t> → System stays ready for next command</a:t>
-            </a:r>
-          </a:p>
-          <a:p>
-            <a:pPr marL="857250" lvl="1" indent="-342900" algn="just">
-              <a:lnSpc>
-                <a:spcPct val="150000"/>
-              </a:lnSpc>
-              <a:spcBef>
-                <a:spcPts val="0"/>
-              </a:spcBef>
-              <a:buFont typeface="Arial" panose="020B0604020202020204" pitchFamily="34" charset="0"/>
-              <a:buChar char="•"/>
-            </a:pPr>
-            <a:r>
-              <a:rPr lang="en-IN" sz="2000" b="1" dirty="0">
-                <a:latin typeface="Times New Roman" panose="02020603050405020304" pitchFamily="18" charset="0"/>
-                <a:cs typeface="Times New Roman" panose="02020603050405020304" pitchFamily="18" charset="0"/>
-              </a:rPr>
-              <a:t>End</a:t>
-            </a:r>
-            <a:r>
-              <a:rPr lang="en-IN" sz="2000" dirty="0">
-                <a:latin typeface="Times New Roman" panose="02020603050405020304" pitchFamily="18" charset="0"/>
-                <a:cs typeface="Times New Roman" panose="02020603050405020304" pitchFamily="18" charset="0"/>
-              </a:rPr>
-              <a:t> → Session ends or task completed</a:t>
-            </a:r>
           </a:p>
         </p:txBody>
       </p:sp>
     </p:spTree>
     <p:extLst>
       <p:ext uri="{BB962C8B-B14F-4D97-AF65-F5344CB8AC3E}">
-        <p14:creationId xmlns:p14="http://schemas.microsoft.com/office/powerpoint/2010/main" val="2820438994"/>
+        <p14:creationId xmlns:p14="http://schemas.microsoft.com/office/powerpoint/2010/main" val="3579835411"/>
       </p:ext>
     </p:extLst>
   </p:cSld>
@@ -10263,6 +10160,15 @@
 </file>
 
 <file path=customXml/item1.xml><?xml version="1.0" encoding="utf-8"?>
+<?mso-contentType ?>
+<FormTemplates xmlns="http://schemas.microsoft.com/sharepoint/v3/contenttype/forms">
+  <Display>DocumentLibraryForm</Display>
+  <Edit>DocumentLibraryForm</Edit>
+  <New>DocumentLibraryForm</New>
+</FormTemplates>
+</file>
+
+<file path=customXml/item2.xml><?xml version="1.0" encoding="utf-8"?>
 <p:properties xmlns:p="http://schemas.microsoft.com/office/2006/metadata/properties" xmlns:xsi="http://www.w3.org/2001/XMLSchema-instance" xmlns:pc="http://schemas.microsoft.com/office/infopath/2007/PartnerControls">
   <documentManagement>
     <TaxCatchAll xmlns="aa0e8f73-967c-4e13-b55c-6b4dcdfd4341"/>
@@ -10271,15 +10177,6 @@
     </lcf76f155ced4ddcb4097134ff3c332f>
   </documentManagement>
 </p:properties>
-</file>
-
-<file path=customXml/item2.xml><?xml version="1.0" encoding="utf-8"?>
-<?mso-contentType ?>
-<FormTemplates xmlns="http://schemas.microsoft.com/sharepoint/v3/contenttype/forms">
-  <Display>DocumentLibraryForm</Display>
-  <Edit>DocumentLibraryForm</Edit>
-  <New>DocumentLibraryForm</New>
-</FormTemplates>
 </file>
 
 <file path=customXml/item3.xml><?xml version="1.0" encoding="utf-8"?>
@@ -10518,6 +10415,14 @@
 </file>
 
 <file path=customXml/itemProps1.xml><?xml version="1.0" encoding="utf-8"?>
+<ds:datastoreItem xmlns:ds="http://schemas.openxmlformats.org/officeDocument/2006/customXml" ds:itemID="{A91E36E6-5217-4E12-971E-AF9D2089B059}">
+  <ds:schemaRefs>
+    <ds:schemaRef ds:uri="http://schemas.microsoft.com/sharepoint/v3/contenttype/forms"/>
+  </ds:schemaRefs>
+</ds:datastoreItem>
+</file>
+
+<file path=customXml/itemProps2.xml><?xml version="1.0" encoding="utf-8"?>
 <ds:datastoreItem xmlns:ds="http://schemas.openxmlformats.org/officeDocument/2006/customXml" ds:itemID="{BB7B56AF-BF8B-45D5-99FE-8572FA6C1777}">
   <ds:schemaRefs>
     <ds:schemaRef ds:uri="http://purl.org/dc/elements/1.1/"/>
@@ -10530,14 +10435,6 @@
     <ds:schemaRef ds:uri="9091ee48-ca27-4fcf-b5de-98ddf097c65b"/>
     <ds:schemaRef ds:uri="http://www.w3.org/XML/1998/namespace"/>
     <ds:schemaRef ds:uri="http://purl.org/dc/dcmitype/"/>
-  </ds:schemaRefs>
-</ds:datastoreItem>
-</file>
-
-<file path=customXml/itemProps2.xml><?xml version="1.0" encoding="utf-8"?>
-<ds:datastoreItem xmlns:ds="http://schemas.openxmlformats.org/officeDocument/2006/customXml" ds:itemID="{A91E36E6-5217-4E12-971E-AF9D2089B059}">
-  <ds:schemaRefs>
-    <ds:schemaRef ds:uri="http://schemas.microsoft.com/sharepoint/v3/contenttype/forms"/>
   </ds:schemaRefs>
 </ds:datastoreItem>
 </file>
